--- a/ch06/mongodb.pptx
+++ b/ch06/mongodb.pptx
@@ -8,7 +8,10 @@
     <p:sldId id="331" r:id="rId2"/>
     <p:sldId id="332" r:id="rId3"/>
     <p:sldId id="330" r:id="rId4"/>
-    <p:sldId id="360" r:id="rId5"/>
+    <p:sldId id="361" r:id="rId5"/>
+    <p:sldId id="362" r:id="rId6"/>
+    <p:sldId id="363" r:id="rId7"/>
+    <p:sldId id="360" r:id="rId8"/>
   </p:sldIdLst>
   <p:sldSz cx="12192000" cy="6858000"/>
   <p:notesSz cx="6858000" cy="9144000"/>
@@ -107,6 +110,11 @@
       </a:defRPr>
     </a:lvl9pPr>
   </p:defaultTextStyle>
+  <p:extLst>
+    <p:ext uri="{EFAFB233-063F-42B5-8137-9DF3F51BA10A}">
+      <p15:sldGuideLst xmlns:p15="http://schemas.microsoft.com/office/powerpoint/2012/main"/>
+    </p:ext>
+  </p:extLst>
 </p:presentation>
 </file>
 
@@ -3413,6 +3421,7 @@
               <a:rPr lang="en-US" altLang="ko-KR" sz="1800" dirty="0">
                 <a:latin typeface="굴림" panose="020B0600000101010101" pitchFamily="50" charset="-127"/>
                 <a:ea typeface="굴림" panose="020B0600000101010101" pitchFamily="50" charset="-127"/>
+                <a:hlinkClick r:id="rId3"/>
               </a:rPr>
               <a:t>https://www.mongodb.com</a:t>
             </a:r>
@@ -3790,6 +3799,13 @@
   <p:clrMapOvr>
     <a:masterClrMapping/>
   </p:clrMapOvr>
+  <p:timing>
+    <p:tnLst>
+      <p:par>
+        <p:cTn id="1" dur="indefinite" restart="never" nodeType="tmRoot"/>
+      </p:par>
+    </p:tnLst>
+  </p:timing>
 </p:sld>
 </file>
 
@@ -3964,42 +3980,51 @@
                 <a:latin typeface="굴림" panose="020B0600000101010101" pitchFamily="50" charset="-127"/>
                 <a:ea typeface="굴림" panose="020B0600000101010101" pitchFamily="50" charset="-127"/>
               </a:rPr>
-              <a:t>C:\Users\</a:t>
+              <a:t>DB</a:t>
             </a:r>
             <a:r>
               <a:rPr lang="ko-KR" altLang="en-US" sz="1800" dirty="0">
                 <a:latin typeface="굴림" panose="020B0600000101010101" pitchFamily="50" charset="-127"/>
                 <a:ea typeface="굴림" panose="020B0600000101010101" pitchFamily="50" charset="-127"/>
               </a:rPr>
-              <a:t>사용자명</a:t>
+              <a:t>를 생성할 위치에 사용할 </a:t>
             </a:r>
             <a:r>
               <a:rPr lang="en-US" altLang="ko-KR" sz="1800" dirty="0">
                 <a:latin typeface="굴림" panose="020B0600000101010101" pitchFamily="50" charset="-127"/>
                 <a:ea typeface="굴림" panose="020B0600000101010101" pitchFamily="50" charset="-127"/>
               </a:rPr>
-              <a:t>\ </a:t>
+              <a:t>DB</a:t>
             </a:r>
             <a:r>
               <a:rPr lang="ko-KR" altLang="en-US" sz="1800" dirty="0">
                 <a:latin typeface="굴림" panose="020B0600000101010101" pitchFamily="50" charset="-127"/>
                 <a:ea typeface="굴림" panose="020B0600000101010101" pitchFamily="50" charset="-127"/>
               </a:rPr>
-              <a:t>위치에 </a:t>
-            </a:r>
-            <a:r>
-              <a:rPr lang="en-US" altLang="ko-KR" sz="1800" dirty="0">
-                <a:latin typeface="굴림" panose="020B0600000101010101" pitchFamily="50" charset="-127"/>
-                <a:ea typeface="굴림" panose="020B0600000101010101" pitchFamily="50" charset="-127"/>
-              </a:rPr>
-              <a:t>database\local </a:t>
-            </a:r>
-            <a:r>
-              <a:rPr lang="ko-KR" altLang="en-US" sz="1800" dirty="0">
-                <a:latin typeface="굴림" panose="020B0600000101010101" pitchFamily="50" charset="-127"/>
-                <a:ea typeface="굴림" panose="020B0600000101010101" pitchFamily="50" charset="-127"/>
-              </a:rPr>
-              <a:t>디렉토리 생성</a:t>
+              <a:t>명으로 디렉토리 </a:t>
+            </a:r>
+            <a:r>
+              <a:rPr lang="ko-KR" altLang="en-US" sz="1800" dirty="0" smtClean="0">
+                <a:latin typeface="굴림" panose="020B0600000101010101" pitchFamily="50" charset="-127"/>
+                <a:ea typeface="굴림" panose="020B0600000101010101" pitchFamily="50" charset="-127"/>
+              </a:rPr>
+              <a:t>생성</a:t>
+            </a:r>
+            <a:endParaRPr lang="en-US" altLang="ko-KR" sz="1800" dirty="0" smtClean="0">
+              <a:latin typeface="굴림" panose="020B0600000101010101" pitchFamily="50" charset="-127"/>
+              <a:ea typeface="굴림" panose="020B0600000101010101" pitchFamily="50" charset="-127"/>
+            </a:endParaRPr>
+          </a:p>
+          <a:p>
+            <a:pPr marL="0" indent="0">
+              <a:buNone/>
+            </a:pPr>
+            <a:r>
+              <a:rPr lang="en-US" altLang="ko-KR" sz="1800" dirty="0" smtClean="0">
+                <a:latin typeface="굴림" panose="020B0600000101010101" pitchFamily="50" charset="-127"/>
+                <a:ea typeface="굴림" panose="020B0600000101010101" pitchFamily="50" charset="-127"/>
+              </a:rPr>
+              <a:t>      (ex.)</a:t>
             </a:r>
             <a:endParaRPr lang="en-US" altLang="ko-KR" sz="1800" dirty="0">
               <a:latin typeface="굴림" panose="020B0600000101010101" pitchFamily="50" charset="-127"/>
@@ -4029,67 +4054,60 @@
               <a:t> </a:t>
             </a:r>
             <a:r>
-              <a:rPr lang="en-US" altLang="ko-KR" sz="1800" dirty="0">
-                <a:latin typeface="굴림" panose="020B0600000101010101" pitchFamily="50" charset="-127"/>
-                <a:ea typeface="굴림" panose="020B0600000101010101" pitchFamily="50" charset="-127"/>
-              </a:rPr>
-              <a:t>–</a:t>
-            </a:r>
-            <a:r>
-              <a:rPr lang="en-US" altLang="ko-KR" sz="1800" dirty="0" err="1">
+              <a:rPr lang="en-US" altLang="ko-KR" sz="1800" dirty="0" smtClean="0">
+                <a:latin typeface="굴림" panose="020B0600000101010101" pitchFamily="50" charset="-127"/>
+                <a:ea typeface="굴림" panose="020B0600000101010101" pitchFamily="50" charset="-127"/>
+              </a:rPr>
+              <a:t>--</a:t>
+            </a:r>
+            <a:r>
+              <a:rPr lang="en-US" altLang="ko-KR" sz="1800" dirty="0" err="1" smtClean="0">
                 <a:latin typeface="굴림" panose="020B0600000101010101" pitchFamily="50" charset="-127"/>
                 <a:ea typeface="굴림" panose="020B0600000101010101" pitchFamily="50" charset="-127"/>
               </a:rPr>
               <a:t>dbpath</a:t>
             </a:r>
             <a:r>
+              <a:rPr lang="ko-KR" altLang="en-US" sz="1800" dirty="0" smtClean="0">
+                <a:latin typeface="굴림" panose="020B0600000101010101" pitchFamily="50" charset="-127"/>
+                <a:ea typeface="굴림" panose="020B0600000101010101" pitchFamily="50" charset="-127"/>
+              </a:rPr>
+              <a:t> </a:t>
+            </a:r>
+            <a:r>
+              <a:rPr lang="en-US" altLang="ko-KR" sz="1800" dirty="0" smtClean="0">
+                <a:latin typeface="굴림" panose="020B0600000101010101" pitchFamily="50" charset="-127"/>
+                <a:ea typeface="굴림" panose="020B0600000101010101" pitchFamily="50" charset="-127"/>
+              </a:rPr>
+              <a:t>[DB</a:t>
+            </a:r>
+            <a:r>
+              <a:rPr lang="ko-KR" altLang="en-US" sz="1800" dirty="0" smtClean="0">
+                <a:latin typeface="굴림" panose="020B0600000101010101" pitchFamily="50" charset="-127"/>
+                <a:ea typeface="굴림" panose="020B0600000101010101" pitchFamily="50" charset="-127"/>
+              </a:rPr>
+              <a:t>경로</a:t>
+            </a:r>
+            <a:r>
+              <a:rPr lang="en-US" altLang="ko-KR" sz="1800" dirty="0" smtClean="0">
+                <a:latin typeface="굴림" panose="020B0600000101010101" pitchFamily="50" charset="-127"/>
+                <a:ea typeface="굴림" panose="020B0600000101010101" pitchFamily="50" charset="-127"/>
+              </a:rPr>
+              <a:t>]</a:t>
+            </a:r>
+            <a:r>
+              <a:rPr lang="ko-KR" altLang="en-US" sz="1800" dirty="0" smtClean="0">
+                <a:latin typeface="굴림" panose="020B0600000101010101" pitchFamily="50" charset="-127"/>
+                <a:ea typeface="굴림" panose="020B0600000101010101" pitchFamily="50" charset="-127"/>
+              </a:rPr>
+              <a:t>  </a:t>
+            </a:r>
+            <a:r>
               <a:rPr lang="ko-KR" altLang="en-US" sz="1800" dirty="0">
                 <a:latin typeface="굴림" panose="020B0600000101010101" pitchFamily="50" charset="-127"/>
                 <a:ea typeface="굴림" panose="020B0600000101010101" pitchFamily="50" charset="-127"/>
               </a:rPr>
-              <a:t> </a:t>
-            </a:r>
-            <a:r>
-              <a:rPr lang="en-US" altLang="ko-KR" sz="1800" dirty="0">
-                <a:latin typeface="굴림" panose="020B0600000101010101" pitchFamily="50" charset="-127"/>
-                <a:ea typeface="굴림" panose="020B0600000101010101" pitchFamily="50" charset="-127"/>
-              </a:rPr>
-              <a:t>/Users/</a:t>
-            </a:r>
-            <a:r>
-              <a:rPr lang="ko-KR" altLang="en-US" sz="1800" dirty="0">
-                <a:latin typeface="굴림" panose="020B0600000101010101" pitchFamily="50" charset="-127"/>
-                <a:ea typeface="굴림" panose="020B0600000101010101" pitchFamily="50" charset="-127"/>
-              </a:rPr>
-              <a:t>사용자명</a:t>
-            </a:r>
-            <a:r>
-              <a:rPr lang="en-US" altLang="ko-KR" sz="1800" dirty="0">
-                <a:latin typeface="굴림" panose="020B0600000101010101" pitchFamily="50" charset="-127"/>
-                <a:ea typeface="굴림" panose="020B0600000101010101" pitchFamily="50" charset="-127"/>
-              </a:rPr>
-              <a:t>/</a:t>
-            </a:r>
-            <a:r>
-              <a:rPr lang="en-US" altLang="ko-KR" sz="1800" dirty="0" err="1">
-                <a:latin typeface="굴림" panose="020B0600000101010101" pitchFamily="50" charset="-127"/>
-                <a:ea typeface="굴림" panose="020B0600000101010101" pitchFamily="50" charset="-127"/>
-              </a:rPr>
-              <a:t>databse</a:t>
-            </a:r>
-            <a:r>
-              <a:rPr lang="en-US" altLang="ko-KR" sz="1800" dirty="0">
-                <a:latin typeface="굴림" panose="020B0600000101010101" pitchFamily="50" charset="-127"/>
-                <a:ea typeface="굴림" panose="020B0600000101010101" pitchFamily="50" charset="-127"/>
-              </a:rPr>
-              <a:t>/local</a:t>
-            </a:r>
-            <a:r>
-              <a:rPr lang="ko-KR" altLang="en-US" sz="1800" dirty="0">
-                <a:latin typeface="굴림" panose="020B0600000101010101" pitchFamily="50" charset="-127"/>
-                <a:ea typeface="굴림" panose="020B0600000101010101" pitchFamily="50" charset="-127"/>
-              </a:rPr>
-              <a:t> 입력하여 </a:t>
+              <a:t>입력하여 </a:t>
             </a:r>
             <a:r>
               <a:rPr lang="en-US" altLang="ko-KR" sz="1800" dirty="0">
@@ -4128,6 +4146,13 @@
   <p:clrMapOvr>
     <a:masterClrMapping/>
   </p:clrMapOvr>
+  <p:timing>
+    <p:tnLst>
+      <p:par>
+        <p:cTn id="1" dur="indefinite" restart="never" nodeType="tmRoot"/>
+      </p:par>
+    </p:tnLst>
+  </p:timing>
 </p:sld>
 </file>
 
@@ -4483,11 +4508,11 @@
               <a:t>6. </a:t>
             </a:r>
             <a:r>
-              <a:rPr lang="ko-KR" altLang="en-US" sz="1800" dirty="0">
-                <a:latin typeface="굴림" panose="020B0600000101010101" pitchFamily="50" charset="-127"/>
-                <a:ea typeface="굴림" panose="020B0600000101010101" pitchFamily="50" charset="-127"/>
-              </a:rPr>
-              <a:t>명령어 </a:t>
+              <a:rPr lang="ko-KR" altLang="en-US" sz="1800" dirty="0" smtClean="0">
+                <a:latin typeface="굴림" panose="020B0600000101010101" pitchFamily="50" charset="-127"/>
+                <a:ea typeface="굴림" panose="020B0600000101010101" pitchFamily="50" charset="-127"/>
+              </a:rPr>
+              <a:t>기본 명령어 </a:t>
             </a:r>
             <a:r>
               <a:rPr lang="en-US" altLang="ko-KR" sz="1800" dirty="0">
@@ -4640,6 +4665,2092 @@
       </p:grpSpPr>
       <p:sp>
         <p:nvSpPr>
+          <p:cNvPr id="2" name="제목 1"/>
+          <p:cNvSpPr>
+            <a:spLocks noGrp="1"/>
+          </p:cNvSpPr>
+          <p:nvPr>
+            <p:ph type="title"/>
+          </p:nvPr>
+        </p:nvSpPr>
+        <p:spPr>
+          <a:xfrm>
+            <a:off x="762000" y="161925"/>
+            <a:ext cx="10515600" cy="473075"/>
+          </a:xfrm>
+        </p:spPr>
+        <p:txBody>
+          <a:bodyPr>
+            <a:normAutofit/>
+          </a:bodyPr>
+          <a:lstStyle/>
+          <a:p>
+            <a:r>
+              <a:rPr lang="ko-KR" altLang="en-US" sz="1800" dirty="0" err="1" smtClean="0">
+                <a:latin typeface="굴림" panose="020B0600000101010101" pitchFamily="50" charset="-127"/>
+                <a:ea typeface="굴림" panose="020B0600000101010101" pitchFamily="50" charset="-127"/>
+              </a:rPr>
+              <a:t>기본명령어</a:t>
+            </a:r>
+            <a:r>
+              <a:rPr lang="en-US" altLang="ko-KR" sz="1800" dirty="0">
+                <a:latin typeface="굴림" panose="020B0600000101010101" pitchFamily="50" charset="-127"/>
+                <a:ea typeface="굴림" panose="020B0600000101010101" pitchFamily="50" charset="-127"/>
+              </a:rPr>
+              <a:t> -1 -https://docs.mongodb.com/v3.4/reference/operator/query</a:t>
+            </a:r>
+            <a:r>
+              <a:rPr lang="en-US" altLang="ko-KR" sz="1800" dirty="0" smtClean="0">
+                <a:latin typeface="굴림" panose="020B0600000101010101" pitchFamily="50" charset="-127"/>
+                <a:ea typeface="굴림" panose="020B0600000101010101" pitchFamily="50" charset="-127"/>
+              </a:rPr>
+              <a:t>/ </a:t>
+            </a:r>
+            <a:r>
+              <a:rPr lang="ko-KR" altLang="en-US" sz="1800" dirty="0" smtClean="0">
+                <a:latin typeface="굴림" panose="020B0600000101010101" pitchFamily="50" charset="-127"/>
+                <a:ea typeface="굴림" panose="020B0600000101010101" pitchFamily="50" charset="-127"/>
+              </a:rPr>
+              <a:t>참고</a:t>
+            </a:r>
+            <a:r>
+              <a:rPr lang="en-US" altLang="ko-KR" sz="1800" dirty="0" smtClean="0">
+                <a:latin typeface="굴림" panose="020B0600000101010101" pitchFamily="50" charset="-127"/>
+                <a:ea typeface="굴림" panose="020B0600000101010101" pitchFamily="50" charset="-127"/>
+              </a:rPr>
+              <a:t>.</a:t>
+            </a:r>
+            <a:endParaRPr lang="ko-KR" altLang="en-US" sz="1800" dirty="0">
+              <a:latin typeface="굴림" panose="020B0600000101010101" pitchFamily="50" charset="-127"/>
+              <a:ea typeface="굴림" panose="020B0600000101010101" pitchFamily="50" charset="-127"/>
+            </a:endParaRPr>
+          </a:p>
+        </p:txBody>
+      </p:sp>
+      <p:sp>
+        <p:nvSpPr>
+          <p:cNvPr id="3" name="내용 개체 틀 2"/>
+          <p:cNvSpPr>
+            <a:spLocks noGrp="1"/>
+          </p:cNvSpPr>
+          <p:nvPr>
+            <p:ph idx="1"/>
+          </p:nvPr>
+        </p:nvSpPr>
+        <p:spPr>
+          <a:xfrm>
+            <a:off x="444500" y="723900"/>
+            <a:ext cx="11569700" cy="5753100"/>
+          </a:xfrm>
+        </p:spPr>
+        <p:txBody>
+          <a:bodyPr>
+            <a:normAutofit fontScale="85000" lnSpcReduction="20000"/>
+          </a:bodyPr>
+          <a:lstStyle/>
+          <a:p>
+            <a:pPr marL="0" indent="0">
+              <a:buNone/>
+            </a:pPr>
+            <a:r>
+              <a:rPr lang="en-US" altLang="ko-KR" sz="1600" dirty="0">
+                <a:latin typeface="굴림" panose="020B0600000101010101" pitchFamily="50" charset="-127"/>
+                <a:ea typeface="굴림" panose="020B0600000101010101" pitchFamily="50" charset="-127"/>
+              </a:rPr>
+              <a:t>#database </a:t>
+            </a:r>
+            <a:r>
+              <a:rPr lang="ko-KR" altLang="en-US" sz="1600" dirty="0">
+                <a:latin typeface="굴림" panose="020B0600000101010101" pitchFamily="50" charset="-127"/>
+                <a:ea typeface="굴림" panose="020B0600000101010101" pitchFamily="50" charset="-127"/>
+              </a:rPr>
+              <a:t>리스트 </a:t>
+            </a:r>
+            <a:r>
+              <a:rPr lang="ko-KR" altLang="en-US" sz="1600" dirty="0" smtClean="0">
+                <a:latin typeface="굴림" panose="020B0600000101010101" pitchFamily="50" charset="-127"/>
+                <a:ea typeface="굴림" panose="020B0600000101010101" pitchFamily="50" charset="-127"/>
+              </a:rPr>
+              <a:t>확인</a:t>
+            </a:r>
+            <a:endParaRPr lang="en-US" altLang="ko-KR" sz="1600" dirty="0" smtClean="0">
+              <a:latin typeface="굴림" panose="020B0600000101010101" pitchFamily="50" charset="-127"/>
+              <a:ea typeface="굴림" panose="020B0600000101010101" pitchFamily="50" charset="-127"/>
+            </a:endParaRPr>
+          </a:p>
+          <a:p>
+            <a:pPr marL="0" indent="0">
+              <a:buNone/>
+            </a:pPr>
+            <a:r>
+              <a:rPr lang="ko-KR" altLang="en-US" sz="1600" dirty="0" smtClean="0">
+                <a:latin typeface="굴림" panose="020B0600000101010101" pitchFamily="50" charset="-127"/>
+                <a:ea typeface="굴림" panose="020B0600000101010101" pitchFamily="50" charset="-127"/>
+              </a:rPr>
+              <a:t> </a:t>
+            </a:r>
+            <a:r>
+              <a:rPr lang="en-US" altLang="ko-KR" sz="1600" dirty="0">
+                <a:latin typeface="굴림" panose="020B0600000101010101" pitchFamily="50" charset="-127"/>
+                <a:ea typeface="굴림" panose="020B0600000101010101" pitchFamily="50" charset="-127"/>
+              </a:rPr>
+              <a:t>show </a:t>
+            </a:r>
+            <a:r>
+              <a:rPr lang="en-US" altLang="ko-KR" sz="1600" dirty="0" smtClean="0">
+                <a:latin typeface="굴림" panose="020B0600000101010101" pitchFamily="50" charset="-127"/>
+                <a:ea typeface="굴림" panose="020B0600000101010101" pitchFamily="50" charset="-127"/>
+              </a:rPr>
+              <a:t> </a:t>
+            </a:r>
+            <a:r>
+              <a:rPr lang="en-US" altLang="ko-KR" sz="1600" dirty="0" err="1" smtClean="0">
+                <a:latin typeface="굴림" panose="020B0600000101010101" pitchFamily="50" charset="-127"/>
+                <a:ea typeface="굴림" panose="020B0600000101010101" pitchFamily="50" charset="-127"/>
+              </a:rPr>
+              <a:t>dbs</a:t>
+            </a:r>
+            <a:endParaRPr lang="en-US" altLang="ko-KR" sz="1600" dirty="0" smtClean="0">
+              <a:latin typeface="굴림" panose="020B0600000101010101" pitchFamily="50" charset="-127"/>
+              <a:ea typeface="굴림" panose="020B0600000101010101" pitchFamily="50" charset="-127"/>
+            </a:endParaRPr>
+          </a:p>
+          <a:p>
+            <a:endParaRPr lang="en-US" altLang="ko-KR" sz="1600" dirty="0">
+              <a:latin typeface="굴림" panose="020B0600000101010101" pitchFamily="50" charset="-127"/>
+              <a:ea typeface="굴림" panose="020B0600000101010101" pitchFamily="50" charset="-127"/>
+            </a:endParaRPr>
+          </a:p>
+          <a:p>
+            <a:pPr marL="0" indent="0">
+              <a:buNone/>
+            </a:pPr>
+            <a:r>
+              <a:rPr lang="en-US" altLang="ko-KR" sz="1600" dirty="0" smtClean="0">
+                <a:latin typeface="굴림" panose="020B0600000101010101" pitchFamily="50" charset="-127"/>
+                <a:ea typeface="굴림" panose="020B0600000101010101" pitchFamily="50" charset="-127"/>
+              </a:rPr>
+              <a:t>#</a:t>
+            </a:r>
+            <a:r>
+              <a:rPr lang="en-US" altLang="ko-KR" sz="1600" dirty="0">
+                <a:latin typeface="굴림" panose="020B0600000101010101" pitchFamily="50" charset="-127"/>
+                <a:ea typeface="굴림" panose="020B0600000101010101" pitchFamily="50" charset="-127"/>
+              </a:rPr>
+              <a:t>database </a:t>
+            </a:r>
+            <a:r>
+              <a:rPr lang="ko-KR" altLang="en-US" sz="1600" dirty="0">
+                <a:latin typeface="굴림" panose="020B0600000101010101" pitchFamily="50" charset="-127"/>
+                <a:ea typeface="굴림" panose="020B0600000101010101" pitchFamily="50" charset="-127"/>
+              </a:rPr>
+              <a:t>생성</a:t>
+            </a:r>
+          </a:p>
+          <a:p>
+            <a:pPr marL="0" indent="0">
+              <a:buNone/>
+            </a:pPr>
+            <a:r>
+              <a:rPr lang="en-US" altLang="ko-KR" sz="1600" dirty="0" smtClean="0">
+                <a:latin typeface="굴림" panose="020B0600000101010101" pitchFamily="50" charset="-127"/>
+                <a:ea typeface="굴림" panose="020B0600000101010101" pitchFamily="50" charset="-127"/>
+              </a:rPr>
+              <a:t> </a:t>
+            </a:r>
+            <a:r>
+              <a:rPr lang="en-US" altLang="ko-KR" sz="1600" dirty="0" err="1" smtClean="0">
+                <a:latin typeface="굴림" panose="020B0600000101010101" pitchFamily="50" charset="-127"/>
+                <a:ea typeface="굴림" panose="020B0600000101010101" pitchFamily="50" charset="-127"/>
+              </a:rPr>
+              <a:t>mongod</a:t>
+            </a:r>
+            <a:r>
+              <a:rPr lang="en-US" altLang="ko-KR" sz="1600" dirty="0" smtClean="0">
+                <a:latin typeface="굴림" panose="020B0600000101010101" pitchFamily="50" charset="-127"/>
+                <a:ea typeface="굴림" panose="020B0600000101010101" pitchFamily="50" charset="-127"/>
+              </a:rPr>
+              <a:t> </a:t>
+            </a:r>
+            <a:r>
+              <a:rPr lang="en-US" altLang="ko-KR" sz="1600" dirty="0">
+                <a:latin typeface="굴림" panose="020B0600000101010101" pitchFamily="50" charset="-127"/>
+                <a:ea typeface="굴림" panose="020B0600000101010101" pitchFamily="50" charset="-127"/>
+              </a:rPr>
+              <a:t>--</a:t>
+            </a:r>
+            <a:r>
+              <a:rPr lang="en-US" altLang="ko-KR" sz="1600" dirty="0" err="1">
+                <a:latin typeface="굴림" panose="020B0600000101010101" pitchFamily="50" charset="-127"/>
+                <a:ea typeface="굴림" panose="020B0600000101010101" pitchFamily="50" charset="-127"/>
+              </a:rPr>
+              <a:t>dbpath</a:t>
+            </a:r>
+            <a:r>
+              <a:rPr lang="en-US" altLang="ko-KR" sz="1600" dirty="0">
+                <a:latin typeface="굴림" panose="020B0600000101010101" pitchFamily="50" charset="-127"/>
+                <a:ea typeface="굴림" panose="020B0600000101010101" pitchFamily="50" charset="-127"/>
+              </a:rPr>
+              <a:t> [DB</a:t>
+            </a:r>
+            <a:r>
+              <a:rPr lang="ko-KR" altLang="en-US" sz="1600" dirty="0">
+                <a:latin typeface="굴림" panose="020B0600000101010101" pitchFamily="50" charset="-127"/>
+                <a:ea typeface="굴림" panose="020B0600000101010101" pitchFamily="50" charset="-127"/>
+              </a:rPr>
+              <a:t>경로</a:t>
+            </a:r>
+            <a:r>
+              <a:rPr lang="en-US" altLang="ko-KR" sz="1600" dirty="0">
+                <a:latin typeface="굴림" panose="020B0600000101010101" pitchFamily="50" charset="-127"/>
+                <a:ea typeface="굴림" panose="020B0600000101010101" pitchFamily="50" charset="-127"/>
+              </a:rPr>
+              <a:t>]  </a:t>
+            </a:r>
+            <a:r>
+              <a:rPr lang="ko-KR" altLang="en-US" sz="1600" dirty="0">
+                <a:latin typeface="굴림" panose="020B0600000101010101" pitchFamily="50" charset="-127"/>
+                <a:ea typeface="굴림" panose="020B0600000101010101" pitchFamily="50" charset="-127"/>
+              </a:rPr>
+              <a:t>입력하여 </a:t>
+            </a:r>
+            <a:r>
+              <a:rPr lang="en-US" altLang="ko-KR" sz="1600" dirty="0">
+                <a:latin typeface="굴림" panose="020B0600000101010101" pitchFamily="50" charset="-127"/>
+                <a:ea typeface="굴림" panose="020B0600000101010101" pitchFamily="50" charset="-127"/>
+              </a:rPr>
+              <a:t>DB </a:t>
+            </a:r>
+            <a:r>
+              <a:rPr lang="ko-KR" altLang="en-US" sz="1600" dirty="0">
+                <a:latin typeface="굴림" panose="020B0600000101010101" pitchFamily="50" charset="-127"/>
+                <a:ea typeface="굴림" panose="020B0600000101010101" pitchFamily="50" charset="-127"/>
+              </a:rPr>
+              <a:t>생성 </a:t>
+            </a:r>
+            <a:r>
+              <a:rPr lang="en-US" altLang="ko-KR" sz="1600" dirty="0">
+                <a:latin typeface="굴림" panose="020B0600000101010101" pitchFamily="50" charset="-127"/>
+                <a:ea typeface="굴림" panose="020B0600000101010101" pitchFamily="50" charset="-127"/>
+              </a:rPr>
+              <a:t>(</a:t>
+            </a:r>
+            <a:r>
+              <a:rPr lang="ko-KR" altLang="en-US" sz="1600" dirty="0">
+                <a:latin typeface="굴림" panose="020B0600000101010101" pitchFamily="50" charset="-127"/>
+                <a:ea typeface="굴림" panose="020B0600000101010101" pitchFamily="50" charset="-127"/>
+              </a:rPr>
+              <a:t>디렉토리가  사용할</a:t>
+            </a:r>
+            <a:r>
+              <a:rPr lang="en-US" altLang="ko-KR" sz="1600" dirty="0">
+                <a:latin typeface="굴림" panose="020B0600000101010101" pitchFamily="50" charset="-127"/>
+                <a:ea typeface="굴림" panose="020B0600000101010101" pitchFamily="50" charset="-127"/>
+              </a:rPr>
+              <a:t>DB</a:t>
+            </a:r>
+            <a:r>
+              <a:rPr lang="ko-KR" altLang="en-US" sz="1600" dirty="0">
+                <a:latin typeface="굴림" panose="020B0600000101010101" pitchFamily="50" charset="-127"/>
+                <a:ea typeface="굴림" panose="020B0600000101010101" pitchFamily="50" charset="-127"/>
+              </a:rPr>
+              <a:t>명으로 생성되어 있어야함</a:t>
+            </a:r>
+            <a:r>
+              <a:rPr lang="en-US" altLang="ko-KR" sz="1600" dirty="0">
+                <a:latin typeface="굴림" panose="020B0600000101010101" pitchFamily="50" charset="-127"/>
+                <a:ea typeface="굴림" panose="020B0600000101010101" pitchFamily="50" charset="-127"/>
+              </a:rPr>
+              <a:t>.</a:t>
+            </a:r>
+          </a:p>
+          <a:p>
+            <a:endParaRPr lang="en-US" altLang="ko-KR" sz="1600" dirty="0">
+              <a:latin typeface="굴림" panose="020B0600000101010101" pitchFamily="50" charset="-127"/>
+              <a:ea typeface="굴림" panose="020B0600000101010101" pitchFamily="50" charset="-127"/>
+            </a:endParaRPr>
+          </a:p>
+          <a:p>
+            <a:pPr marL="0" indent="0">
+              <a:buNone/>
+            </a:pPr>
+            <a:r>
+              <a:rPr lang="en-US" altLang="ko-KR" sz="1600" dirty="0">
+                <a:latin typeface="굴림" panose="020B0600000101010101" pitchFamily="50" charset="-127"/>
+                <a:ea typeface="굴림" panose="020B0600000101010101" pitchFamily="50" charset="-127"/>
+              </a:rPr>
+              <a:t>#database </a:t>
+            </a:r>
+            <a:r>
+              <a:rPr lang="ko-KR" altLang="en-US" sz="1600" dirty="0">
+                <a:latin typeface="굴림" panose="020B0600000101010101" pitchFamily="50" charset="-127"/>
+                <a:ea typeface="굴림" panose="020B0600000101010101" pitchFamily="50" charset="-127"/>
+              </a:rPr>
+              <a:t>사용</a:t>
+            </a:r>
+          </a:p>
+          <a:p>
+            <a:pPr marL="0" indent="0">
+              <a:buNone/>
+            </a:pPr>
+            <a:r>
+              <a:rPr lang="en-US" altLang="ko-KR" sz="1600" dirty="0" smtClean="0">
+                <a:latin typeface="굴림" panose="020B0600000101010101" pitchFamily="50" charset="-127"/>
+                <a:ea typeface="굴림" panose="020B0600000101010101" pitchFamily="50" charset="-127"/>
+              </a:rPr>
+              <a:t> use </a:t>
+            </a:r>
+            <a:r>
+              <a:rPr lang="en-US" altLang="ko-KR" sz="1600" dirty="0" err="1">
+                <a:latin typeface="굴림" panose="020B0600000101010101" pitchFamily="50" charset="-127"/>
+                <a:ea typeface="굴림" panose="020B0600000101010101" pitchFamily="50" charset="-127"/>
+              </a:rPr>
+              <a:t>db</a:t>
+            </a:r>
+            <a:r>
+              <a:rPr lang="ko-KR" altLang="en-US" sz="1600" dirty="0">
+                <a:latin typeface="굴림" panose="020B0600000101010101" pitchFamily="50" charset="-127"/>
+                <a:ea typeface="굴림" panose="020B0600000101010101" pitchFamily="50" charset="-127"/>
+              </a:rPr>
+              <a:t>명</a:t>
+            </a:r>
+          </a:p>
+          <a:p>
+            <a:endParaRPr lang="ko-KR" altLang="en-US" sz="1600" dirty="0" smtClean="0">
+              <a:latin typeface="굴림" panose="020B0600000101010101" pitchFamily="50" charset="-127"/>
+              <a:ea typeface="굴림" panose="020B0600000101010101" pitchFamily="50" charset="-127"/>
+            </a:endParaRPr>
+          </a:p>
+          <a:p>
+            <a:pPr marL="0" indent="0">
+              <a:buNone/>
+            </a:pPr>
+            <a:r>
+              <a:rPr lang="en-US" altLang="ko-KR" sz="1600" dirty="0" smtClean="0">
+                <a:latin typeface="굴림" panose="020B0600000101010101" pitchFamily="50" charset="-127"/>
+                <a:ea typeface="굴림" panose="020B0600000101010101" pitchFamily="50" charset="-127"/>
+              </a:rPr>
+              <a:t>#</a:t>
+            </a:r>
+            <a:r>
+              <a:rPr lang="en-US" altLang="ko-KR" sz="1600" dirty="0">
+                <a:latin typeface="굴림" panose="020B0600000101010101" pitchFamily="50" charset="-127"/>
+                <a:ea typeface="굴림" panose="020B0600000101010101" pitchFamily="50" charset="-127"/>
+              </a:rPr>
+              <a:t>database </a:t>
+            </a:r>
+            <a:r>
+              <a:rPr lang="ko-KR" altLang="en-US" sz="1600" dirty="0" smtClean="0">
+                <a:latin typeface="굴림" panose="020B0600000101010101" pitchFamily="50" charset="-127"/>
+                <a:ea typeface="굴림" panose="020B0600000101010101" pitchFamily="50" charset="-127"/>
+              </a:rPr>
+              <a:t>삭제 </a:t>
+            </a:r>
+            <a:r>
+              <a:rPr lang="en-US" altLang="ko-KR" sz="1600" dirty="0" smtClean="0">
+                <a:latin typeface="굴림" panose="020B0600000101010101" pitchFamily="50" charset="-127"/>
+                <a:ea typeface="굴림" panose="020B0600000101010101" pitchFamily="50" charset="-127"/>
+              </a:rPr>
+              <a:t>(</a:t>
+            </a:r>
+            <a:r>
+              <a:rPr lang="ko-KR" altLang="en-US" sz="1600" dirty="0" smtClean="0">
+                <a:latin typeface="굴림" panose="020B0600000101010101" pitchFamily="50" charset="-127"/>
+                <a:ea typeface="굴림" panose="020B0600000101010101" pitchFamily="50" charset="-127"/>
+              </a:rPr>
+              <a:t>데이터 </a:t>
+            </a:r>
+            <a:r>
+              <a:rPr lang="ko-KR" altLang="en-US" sz="1600" dirty="0">
+                <a:latin typeface="굴림" panose="020B0600000101010101" pitchFamily="50" charset="-127"/>
+                <a:ea typeface="굴림" panose="020B0600000101010101" pitchFamily="50" charset="-127"/>
+              </a:rPr>
+              <a:t>베이스 </a:t>
+            </a:r>
+            <a:r>
+              <a:rPr lang="ko-KR" altLang="en-US" sz="1600" dirty="0" err="1">
+                <a:latin typeface="굴림" panose="020B0600000101010101" pitchFamily="50" charset="-127"/>
+                <a:ea typeface="굴림" panose="020B0600000101010101" pitchFamily="50" charset="-127"/>
+              </a:rPr>
+              <a:t>삭제하기전</a:t>
+            </a:r>
+            <a:r>
+              <a:rPr lang="ko-KR" altLang="en-US" sz="1600" dirty="0">
+                <a:latin typeface="굴림" panose="020B0600000101010101" pitchFamily="50" charset="-127"/>
+                <a:ea typeface="굴림" panose="020B0600000101010101" pitchFamily="50" charset="-127"/>
+              </a:rPr>
+              <a:t> </a:t>
+            </a:r>
+            <a:r>
+              <a:rPr lang="en-US" altLang="ko-KR" sz="1600" dirty="0">
+                <a:latin typeface="굴림" panose="020B0600000101010101" pitchFamily="50" charset="-127"/>
+                <a:ea typeface="굴림" panose="020B0600000101010101" pitchFamily="50" charset="-127"/>
+              </a:rPr>
+              <a:t>'use &lt;name&gt;'</a:t>
+            </a:r>
+            <a:r>
+              <a:rPr lang="ko-KR" altLang="en-US" sz="1600" dirty="0">
+                <a:latin typeface="굴림" panose="020B0600000101010101" pitchFamily="50" charset="-127"/>
+                <a:ea typeface="굴림" panose="020B0600000101010101" pitchFamily="50" charset="-127"/>
+              </a:rPr>
+              <a:t>으로 삭제할 데이터 베이스 선택 후 삭제할 </a:t>
+            </a:r>
+            <a:r>
+              <a:rPr lang="ko-KR" altLang="en-US" sz="1600" dirty="0" smtClean="0">
+                <a:latin typeface="굴림" panose="020B0600000101010101" pitchFamily="50" charset="-127"/>
+                <a:ea typeface="굴림" panose="020B0600000101010101" pitchFamily="50" charset="-127"/>
+              </a:rPr>
+              <a:t>것</a:t>
+            </a:r>
+            <a:r>
+              <a:rPr lang="en-US" altLang="ko-KR" sz="1600" dirty="0" smtClean="0">
+                <a:latin typeface="굴림" panose="020B0600000101010101" pitchFamily="50" charset="-127"/>
+                <a:ea typeface="굴림" panose="020B0600000101010101" pitchFamily="50" charset="-127"/>
+              </a:rPr>
+              <a:t>.)</a:t>
+            </a:r>
+            <a:endParaRPr lang="en-US" altLang="ko-KR" sz="1600" dirty="0">
+              <a:latin typeface="굴림" panose="020B0600000101010101" pitchFamily="50" charset="-127"/>
+              <a:ea typeface="굴림" panose="020B0600000101010101" pitchFamily="50" charset="-127"/>
+            </a:endParaRPr>
+          </a:p>
+          <a:p>
+            <a:pPr marL="0" indent="0">
+              <a:buNone/>
+            </a:pPr>
+            <a:r>
+              <a:rPr lang="en-US" altLang="ko-KR" sz="1600" dirty="0" smtClean="0">
+                <a:latin typeface="굴림" panose="020B0600000101010101" pitchFamily="50" charset="-127"/>
+                <a:ea typeface="굴림" panose="020B0600000101010101" pitchFamily="50" charset="-127"/>
+              </a:rPr>
+              <a:t> </a:t>
+            </a:r>
+            <a:r>
+              <a:rPr lang="en-US" altLang="ko-KR" sz="1600" dirty="0" err="1" smtClean="0">
+                <a:latin typeface="굴림" panose="020B0600000101010101" pitchFamily="50" charset="-127"/>
+                <a:ea typeface="굴림" panose="020B0600000101010101" pitchFamily="50" charset="-127"/>
+              </a:rPr>
+              <a:t>db.dropDatabase</a:t>
+            </a:r>
+            <a:r>
+              <a:rPr lang="en-US" altLang="ko-KR" sz="1600" dirty="0">
+                <a:latin typeface="굴림" panose="020B0600000101010101" pitchFamily="50" charset="-127"/>
+                <a:ea typeface="굴림" panose="020B0600000101010101" pitchFamily="50" charset="-127"/>
+              </a:rPr>
+              <a:t>()</a:t>
+            </a:r>
+          </a:p>
+          <a:p>
+            <a:endParaRPr lang="en-US" altLang="ko-KR" sz="1600" dirty="0">
+              <a:latin typeface="굴림" panose="020B0600000101010101" pitchFamily="50" charset="-127"/>
+              <a:ea typeface="굴림" panose="020B0600000101010101" pitchFamily="50" charset="-127"/>
+            </a:endParaRPr>
+          </a:p>
+          <a:p>
+            <a:pPr marL="0" indent="0">
+              <a:buNone/>
+            </a:pPr>
+            <a:r>
+              <a:rPr lang="en-US" altLang="ko-KR" sz="1600" dirty="0">
+                <a:latin typeface="굴림" panose="020B0600000101010101" pitchFamily="50" charset="-127"/>
+                <a:ea typeface="굴림" panose="020B0600000101010101" pitchFamily="50" charset="-127"/>
+              </a:rPr>
+              <a:t>#collection </a:t>
+            </a:r>
+            <a:r>
+              <a:rPr lang="ko-KR" altLang="en-US" sz="1600" dirty="0" smtClean="0">
+                <a:latin typeface="굴림" panose="020B0600000101010101" pitchFamily="50" charset="-127"/>
+                <a:ea typeface="굴림" panose="020B0600000101010101" pitchFamily="50" charset="-127"/>
+              </a:rPr>
+              <a:t>만들기</a:t>
+            </a:r>
+          </a:p>
+          <a:p>
+            <a:pPr marL="0" indent="0">
+              <a:buNone/>
+            </a:pPr>
+            <a:r>
+              <a:rPr lang="en-US" altLang="ko-KR" sz="1600" dirty="0" smtClean="0">
+                <a:latin typeface="굴림" panose="020B0600000101010101" pitchFamily="50" charset="-127"/>
+                <a:ea typeface="굴림" panose="020B0600000101010101" pitchFamily="50" charset="-127"/>
+              </a:rPr>
+              <a:t> </a:t>
+            </a:r>
+            <a:r>
+              <a:rPr lang="en-US" altLang="ko-KR" sz="1600" dirty="0" err="1" smtClean="0">
+                <a:latin typeface="굴림" panose="020B0600000101010101" pitchFamily="50" charset="-127"/>
+                <a:ea typeface="굴림" panose="020B0600000101010101" pitchFamily="50" charset="-127"/>
+              </a:rPr>
+              <a:t>db.createCollection</a:t>
+            </a:r>
+            <a:r>
+              <a:rPr lang="en-US" altLang="ko-KR" sz="1600" dirty="0" smtClean="0">
+                <a:latin typeface="굴림" panose="020B0600000101010101" pitchFamily="50" charset="-127"/>
+                <a:ea typeface="굴림" panose="020B0600000101010101" pitchFamily="50" charset="-127"/>
+              </a:rPr>
+              <a:t>(name, [option])</a:t>
+            </a:r>
+          </a:p>
+          <a:p>
+            <a:endParaRPr lang="en-US" altLang="ko-KR" sz="1600" dirty="0">
+              <a:latin typeface="굴림" panose="020B0600000101010101" pitchFamily="50" charset="-127"/>
+              <a:ea typeface="굴림" panose="020B0600000101010101" pitchFamily="50" charset="-127"/>
+            </a:endParaRPr>
+          </a:p>
+          <a:p>
+            <a:pPr marL="0" indent="0">
+              <a:buNone/>
+            </a:pPr>
+            <a:r>
+              <a:rPr lang="en-US" altLang="ko-KR" sz="1600" dirty="0">
+                <a:latin typeface="굴림" panose="020B0600000101010101" pitchFamily="50" charset="-127"/>
+                <a:ea typeface="굴림" panose="020B0600000101010101" pitchFamily="50" charset="-127"/>
+              </a:rPr>
+              <a:t>#collection </a:t>
+            </a:r>
+            <a:r>
+              <a:rPr lang="ko-KR" altLang="en-US" sz="1600" dirty="0">
+                <a:latin typeface="굴림" panose="020B0600000101010101" pitchFamily="50" charset="-127"/>
+                <a:ea typeface="굴림" panose="020B0600000101010101" pitchFamily="50" charset="-127"/>
+              </a:rPr>
+              <a:t>이름변경</a:t>
+            </a:r>
+          </a:p>
+          <a:p>
+            <a:pPr marL="0" indent="0">
+              <a:buNone/>
+            </a:pPr>
+            <a:r>
+              <a:rPr lang="en-US" altLang="ko-KR" sz="1600" dirty="0" smtClean="0">
+                <a:latin typeface="굴림" panose="020B0600000101010101" pitchFamily="50" charset="-127"/>
+                <a:ea typeface="굴림" panose="020B0600000101010101" pitchFamily="50" charset="-127"/>
+              </a:rPr>
+              <a:t> </a:t>
+            </a:r>
+            <a:r>
+              <a:rPr lang="en-US" altLang="ko-KR" sz="1600" dirty="0" err="1" smtClean="0">
+                <a:latin typeface="굴림" panose="020B0600000101010101" pitchFamily="50" charset="-127"/>
+                <a:ea typeface="굴림" panose="020B0600000101010101" pitchFamily="50" charset="-127"/>
+              </a:rPr>
+              <a:t>db.OLD</a:t>
+            </a:r>
+            <a:r>
+              <a:rPr lang="ko-KR" altLang="en-US" sz="1600" dirty="0" err="1">
+                <a:latin typeface="굴림" panose="020B0600000101010101" pitchFamily="50" charset="-127"/>
+                <a:ea typeface="굴림" panose="020B0600000101010101" pitchFamily="50" charset="-127"/>
+              </a:rPr>
+              <a:t>컬렉션명</a:t>
+            </a:r>
+            <a:r>
+              <a:rPr lang="en-US" altLang="ko-KR" sz="1600" dirty="0">
+                <a:latin typeface="굴림" panose="020B0600000101010101" pitchFamily="50" charset="-127"/>
+                <a:ea typeface="굴림" panose="020B0600000101010101" pitchFamily="50" charset="-127"/>
+              </a:rPr>
+              <a:t>.</a:t>
+            </a:r>
+            <a:r>
+              <a:rPr lang="en-US" altLang="ko-KR" sz="1600" dirty="0" err="1">
+                <a:latin typeface="굴림" panose="020B0600000101010101" pitchFamily="50" charset="-127"/>
+                <a:ea typeface="굴림" panose="020B0600000101010101" pitchFamily="50" charset="-127"/>
+              </a:rPr>
+              <a:t>renameCollection</a:t>
+            </a:r>
+            <a:r>
+              <a:rPr lang="en-US" altLang="ko-KR" sz="1600" dirty="0">
+                <a:latin typeface="굴림" panose="020B0600000101010101" pitchFamily="50" charset="-127"/>
+                <a:ea typeface="굴림" panose="020B0600000101010101" pitchFamily="50" charset="-127"/>
+              </a:rPr>
+              <a:t>("NEW</a:t>
+            </a:r>
+            <a:r>
+              <a:rPr lang="ko-KR" altLang="en-US" sz="1600" dirty="0" err="1">
+                <a:latin typeface="굴림" panose="020B0600000101010101" pitchFamily="50" charset="-127"/>
+                <a:ea typeface="굴림" panose="020B0600000101010101" pitchFamily="50" charset="-127"/>
+              </a:rPr>
+              <a:t>컬렉션명</a:t>
+            </a:r>
+            <a:r>
+              <a:rPr lang="en-US" altLang="ko-KR" sz="1600" dirty="0">
+                <a:latin typeface="굴림" panose="020B0600000101010101" pitchFamily="50" charset="-127"/>
+                <a:ea typeface="굴림" panose="020B0600000101010101" pitchFamily="50" charset="-127"/>
+              </a:rPr>
+              <a:t>")</a:t>
+            </a:r>
+          </a:p>
+          <a:p>
+            <a:endParaRPr lang="en-US" altLang="ko-KR" sz="1600" dirty="0">
+              <a:latin typeface="굴림" panose="020B0600000101010101" pitchFamily="50" charset="-127"/>
+              <a:ea typeface="굴림" panose="020B0600000101010101" pitchFamily="50" charset="-127"/>
+            </a:endParaRPr>
+          </a:p>
+          <a:p>
+            <a:pPr marL="0" indent="0">
+              <a:buNone/>
+            </a:pPr>
+            <a:r>
+              <a:rPr lang="en-US" altLang="ko-KR" sz="1600" dirty="0">
+                <a:latin typeface="굴림" panose="020B0600000101010101" pitchFamily="50" charset="-127"/>
+                <a:ea typeface="굴림" panose="020B0600000101010101" pitchFamily="50" charset="-127"/>
+              </a:rPr>
+              <a:t>#collection  </a:t>
+            </a:r>
+            <a:r>
+              <a:rPr lang="ko-KR" altLang="en-US" sz="1600" dirty="0">
+                <a:latin typeface="굴림" panose="020B0600000101010101" pitchFamily="50" charset="-127"/>
+                <a:ea typeface="굴림" panose="020B0600000101010101" pitchFamily="50" charset="-127"/>
+              </a:rPr>
+              <a:t>제거</a:t>
+            </a:r>
+          </a:p>
+          <a:p>
+            <a:pPr marL="0" indent="0">
+              <a:buNone/>
+            </a:pPr>
+            <a:r>
+              <a:rPr lang="en-US" altLang="ko-KR" sz="1600" dirty="0" smtClean="0">
+                <a:latin typeface="굴림" panose="020B0600000101010101" pitchFamily="50" charset="-127"/>
+                <a:ea typeface="굴림" panose="020B0600000101010101" pitchFamily="50" charset="-127"/>
+              </a:rPr>
+              <a:t>  db</a:t>
+            </a:r>
+            <a:r>
+              <a:rPr lang="en-US" altLang="ko-KR" sz="1600" dirty="0">
+                <a:latin typeface="굴림" panose="020B0600000101010101" pitchFamily="50" charset="-127"/>
+                <a:ea typeface="굴림" panose="020B0600000101010101" pitchFamily="50" charset="-127"/>
+              </a:rPr>
+              <a:t>.</a:t>
+            </a:r>
+            <a:r>
+              <a:rPr lang="ko-KR" altLang="en-US" sz="1600" dirty="0" err="1">
+                <a:latin typeface="굴림" panose="020B0600000101010101" pitchFamily="50" charset="-127"/>
+                <a:ea typeface="굴림" panose="020B0600000101010101" pitchFamily="50" charset="-127"/>
+              </a:rPr>
+              <a:t>컬렉션명</a:t>
+            </a:r>
+            <a:r>
+              <a:rPr lang="en-US" altLang="ko-KR" sz="1600" dirty="0">
+                <a:latin typeface="굴림" panose="020B0600000101010101" pitchFamily="50" charset="-127"/>
+                <a:ea typeface="굴림" panose="020B0600000101010101" pitchFamily="50" charset="-127"/>
+              </a:rPr>
+              <a:t>.drop()</a:t>
+            </a:r>
+          </a:p>
+          <a:p>
+            <a:endParaRPr lang="en-US" altLang="ko-KR" sz="1800" dirty="0">
+              <a:latin typeface="굴림" panose="020B0600000101010101" pitchFamily="50" charset="-127"/>
+              <a:ea typeface="굴림" panose="020B0600000101010101" pitchFamily="50" charset="-127"/>
+            </a:endParaRPr>
+          </a:p>
+        </p:txBody>
+      </p:sp>
+    </p:spTree>
+    <p:extLst>
+      <p:ext uri="{BB962C8B-B14F-4D97-AF65-F5344CB8AC3E}">
+        <p14:creationId xmlns:p14="http://schemas.microsoft.com/office/powerpoint/2010/main" val="792440356"/>
+      </p:ext>
+    </p:extLst>
+  </p:cSld>
+  <p:clrMapOvr>
+    <a:masterClrMapping/>
+  </p:clrMapOvr>
+</p:sld>
+</file>
+
+<file path=ppt/slides/slide5.xml><?xml version="1.0" encoding="utf-8"?>
+<p:sld xmlns:a="http://schemas.openxmlformats.org/drawingml/2006/main" xmlns:r="http://schemas.openxmlformats.org/officeDocument/2006/relationships" xmlns:p="http://schemas.openxmlformats.org/presentationml/2006/main">
+  <p:cSld>
+    <p:spTree>
+      <p:nvGrpSpPr>
+        <p:cNvPr id="1" name=""/>
+        <p:cNvGrpSpPr/>
+        <p:nvPr/>
+      </p:nvGrpSpPr>
+      <p:grpSpPr>
+        <a:xfrm>
+          <a:off x="0" y="0"/>
+          <a:ext cx="0" cy="0"/>
+          <a:chOff x="0" y="0"/>
+          <a:chExt cx="0" cy="0"/>
+        </a:xfrm>
+      </p:grpSpPr>
+      <p:sp>
+        <p:nvSpPr>
+          <p:cNvPr id="2" name="제목 1"/>
+          <p:cNvSpPr>
+            <a:spLocks noGrp="1"/>
+          </p:cNvSpPr>
+          <p:nvPr>
+            <p:ph type="title"/>
+          </p:nvPr>
+        </p:nvSpPr>
+        <p:spPr>
+          <a:xfrm>
+            <a:off x="762000" y="161925"/>
+            <a:ext cx="10515600" cy="473075"/>
+          </a:xfrm>
+        </p:spPr>
+        <p:txBody>
+          <a:bodyPr>
+            <a:normAutofit/>
+          </a:bodyPr>
+          <a:lstStyle/>
+          <a:p>
+            <a:r>
+              <a:rPr lang="ko-KR" altLang="en-US" sz="1800" dirty="0" err="1" smtClean="0">
+                <a:latin typeface="굴림" panose="020B0600000101010101" pitchFamily="50" charset="-127"/>
+                <a:ea typeface="굴림" panose="020B0600000101010101" pitchFamily="50" charset="-127"/>
+              </a:rPr>
+              <a:t>기본명령어</a:t>
+            </a:r>
+            <a:r>
+              <a:rPr lang="en-US" altLang="ko-KR" sz="1800" dirty="0">
+                <a:latin typeface="굴림" panose="020B0600000101010101" pitchFamily="50" charset="-127"/>
+                <a:ea typeface="굴림" panose="020B0600000101010101" pitchFamily="50" charset="-127"/>
+              </a:rPr>
+              <a:t> </a:t>
+            </a:r>
+            <a:r>
+              <a:rPr lang="en-US" altLang="ko-KR" sz="1800" dirty="0" smtClean="0">
+                <a:latin typeface="굴림" panose="020B0600000101010101" pitchFamily="50" charset="-127"/>
+                <a:ea typeface="굴림" panose="020B0600000101010101" pitchFamily="50" charset="-127"/>
+              </a:rPr>
+              <a:t>-2</a:t>
+            </a:r>
+            <a:endParaRPr lang="ko-KR" altLang="en-US" sz="1800" dirty="0">
+              <a:latin typeface="굴림" panose="020B0600000101010101" pitchFamily="50" charset="-127"/>
+              <a:ea typeface="굴림" panose="020B0600000101010101" pitchFamily="50" charset="-127"/>
+            </a:endParaRPr>
+          </a:p>
+        </p:txBody>
+      </p:sp>
+      <p:sp>
+        <p:nvSpPr>
+          <p:cNvPr id="3" name="내용 개체 틀 2"/>
+          <p:cNvSpPr>
+            <a:spLocks noGrp="1"/>
+          </p:cNvSpPr>
+          <p:nvPr>
+            <p:ph idx="1"/>
+          </p:nvPr>
+        </p:nvSpPr>
+        <p:spPr>
+          <a:xfrm>
+            <a:off x="444500" y="723900"/>
+            <a:ext cx="11569700" cy="5753100"/>
+          </a:xfrm>
+        </p:spPr>
+        <p:txBody>
+          <a:bodyPr>
+            <a:normAutofit/>
+          </a:bodyPr>
+          <a:lstStyle/>
+          <a:p>
+            <a:pPr marL="0" indent="0">
+              <a:buNone/>
+            </a:pPr>
+            <a:r>
+              <a:rPr lang="en-US" altLang="ko-KR" sz="1400" dirty="0" smtClean="0">
+                <a:latin typeface="굴림" panose="020B0600000101010101" pitchFamily="50" charset="-127"/>
+                <a:ea typeface="굴림" panose="020B0600000101010101" pitchFamily="50" charset="-127"/>
+              </a:rPr>
+              <a:t>#</a:t>
+            </a:r>
+            <a:r>
+              <a:rPr lang="en-US" altLang="ko-KR" sz="1400" dirty="0">
+                <a:latin typeface="굴림" panose="020B0600000101010101" pitchFamily="50" charset="-127"/>
+                <a:ea typeface="굴림" panose="020B0600000101010101" pitchFamily="50" charset="-127"/>
+              </a:rPr>
+              <a:t>document </a:t>
+            </a:r>
+            <a:r>
+              <a:rPr lang="ko-KR" altLang="en-US" sz="1400" dirty="0">
+                <a:latin typeface="굴림" panose="020B0600000101010101" pitchFamily="50" charset="-127"/>
+                <a:ea typeface="굴림" panose="020B0600000101010101" pitchFamily="50" charset="-127"/>
+              </a:rPr>
+              <a:t>만들기 </a:t>
+            </a:r>
+            <a:r>
+              <a:rPr lang="en-US" altLang="ko-KR" sz="1400" dirty="0">
+                <a:latin typeface="굴림" panose="020B0600000101010101" pitchFamily="50" charset="-127"/>
+                <a:ea typeface="굴림" panose="020B0600000101010101" pitchFamily="50" charset="-127"/>
+              </a:rPr>
+              <a:t>- collection  </a:t>
+            </a:r>
+            <a:r>
+              <a:rPr lang="ko-KR" altLang="en-US" sz="1400" dirty="0">
+                <a:latin typeface="굴림" panose="020B0600000101010101" pitchFamily="50" charset="-127"/>
+                <a:ea typeface="굴림" panose="020B0600000101010101" pitchFamily="50" charset="-127"/>
+              </a:rPr>
+              <a:t>생성과</a:t>
+            </a:r>
+            <a:r>
+              <a:rPr lang="en-US" altLang="ko-KR" sz="1400" dirty="0">
+                <a:latin typeface="굴림" panose="020B0600000101010101" pitchFamily="50" charset="-127"/>
+                <a:ea typeface="굴림" panose="020B0600000101010101" pitchFamily="50" charset="-127"/>
+              </a:rPr>
+              <a:t>, </a:t>
+            </a:r>
+            <a:r>
+              <a:rPr lang="ko-KR" altLang="en-US" sz="1400" dirty="0">
+                <a:latin typeface="굴림" panose="020B0600000101010101" pitchFamily="50" charset="-127"/>
+                <a:ea typeface="굴림" panose="020B0600000101010101" pitchFamily="50" charset="-127"/>
+              </a:rPr>
+              <a:t>데이터 입력을 동시에</a:t>
+            </a:r>
+          </a:p>
+          <a:p>
+            <a:pPr marL="0" indent="0">
+              <a:buNone/>
+            </a:pPr>
+            <a:r>
+              <a:rPr lang="en-US" altLang="ko-KR" sz="1400" dirty="0" smtClean="0">
+                <a:latin typeface="굴림" panose="020B0600000101010101" pitchFamily="50" charset="-127"/>
+                <a:ea typeface="굴림" panose="020B0600000101010101" pitchFamily="50" charset="-127"/>
+              </a:rPr>
+              <a:t> </a:t>
+            </a:r>
+            <a:r>
+              <a:rPr lang="en-US" altLang="ko-KR" sz="1400" dirty="0" err="1" smtClean="0">
+                <a:latin typeface="굴림" panose="020B0600000101010101" pitchFamily="50" charset="-127"/>
+                <a:ea typeface="굴림" panose="020B0600000101010101" pitchFamily="50" charset="-127"/>
+              </a:rPr>
+              <a:t>db.user.insert</a:t>
+            </a:r>
+            <a:r>
+              <a:rPr lang="en-US" altLang="ko-KR" sz="1400" dirty="0">
+                <a:latin typeface="굴림" panose="020B0600000101010101" pitchFamily="50" charset="-127"/>
+                <a:ea typeface="굴림" panose="020B0600000101010101" pitchFamily="50" charset="-127"/>
+              </a:rPr>
+              <a:t>({"name" : "mike", "age" : 3})</a:t>
+            </a:r>
+          </a:p>
+          <a:p>
+            <a:pPr marL="0" indent="0">
+              <a:buNone/>
+            </a:pPr>
+            <a:r>
+              <a:rPr lang="en-US" altLang="ko-KR" sz="1400" dirty="0" smtClean="0">
+                <a:latin typeface="굴림" panose="020B0600000101010101" pitchFamily="50" charset="-127"/>
+                <a:ea typeface="굴림" panose="020B0600000101010101" pitchFamily="50" charset="-127"/>
+              </a:rPr>
+              <a:t> </a:t>
+            </a:r>
+            <a:r>
+              <a:rPr lang="en-US" altLang="ko-KR" sz="1400" dirty="0" err="1" smtClean="0">
+                <a:latin typeface="굴림" panose="020B0600000101010101" pitchFamily="50" charset="-127"/>
+                <a:ea typeface="굴림" panose="020B0600000101010101" pitchFamily="50" charset="-127"/>
+              </a:rPr>
+              <a:t>db.user.insert</a:t>
+            </a:r>
+            <a:r>
+              <a:rPr lang="en-US" altLang="ko-KR" sz="1400" dirty="0">
+                <a:latin typeface="굴림" panose="020B0600000101010101" pitchFamily="50" charset="-127"/>
+                <a:ea typeface="굴림" panose="020B0600000101010101" pitchFamily="50" charset="-127"/>
+              </a:rPr>
+              <a:t>({"name" : "</a:t>
+            </a:r>
+            <a:r>
+              <a:rPr lang="en-US" altLang="ko-KR" sz="1400" dirty="0" err="1">
+                <a:latin typeface="굴림" panose="020B0600000101010101" pitchFamily="50" charset="-127"/>
+                <a:ea typeface="굴림" panose="020B0600000101010101" pitchFamily="50" charset="-127"/>
+              </a:rPr>
+              <a:t>alice</a:t>
+            </a:r>
+            <a:r>
+              <a:rPr lang="en-US" altLang="ko-KR" sz="1400" dirty="0">
+                <a:latin typeface="굴림" panose="020B0600000101010101" pitchFamily="50" charset="-127"/>
+                <a:ea typeface="굴림" panose="020B0600000101010101" pitchFamily="50" charset="-127"/>
+              </a:rPr>
+              <a:t>", "age" : 13})</a:t>
+            </a:r>
+          </a:p>
+          <a:p>
+            <a:pPr marL="0" indent="0">
+              <a:buNone/>
+            </a:pPr>
+            <a:r>
+              <a:rPr lang="en-US" altLang="ko-KR" sz="1400" dirty="0" smtClean="0">
+                <a:latin typeface="굴림" panose="020B0600000101010101" pitchFamily="50" charset="-127"/>
+                <a:ea typeface="굴림" panose="020B0600000101010101" pitchFamily="50" charset="-127"/>
+              </a:rPr>
+              <a:t> </a:t>
+            </a:r>
+            <a:r>
+              <a:rPr lang="en-US" altLang="ko-KR" sz="1400" dirty="0" err="1" smtClean="0">
+                <a:latin typeface="굴림" panose="020B0600000101010101" pitchFamily="50" charset="-127"/>
+                <a:ea typeface="굴림" panose="020B0600000101010101" pitchFamily="50" charset="-127"/>
+              </a:rPr>
+              <a:t>db.user.insert</a:t>
+            </a:r>
+            <a:r>
+              <a:rPr lang="en-US" altLang="ko-KR" sz="1400" dirty="0">
+                <a:latin typeface="굴림" panose="020B0600000101010101" pitchFamily="50" charset="-127"/>
+                <a:ea typeface="굴림" panose="020B0600000101010101" pitchFamily="50" charset="-127"/>
+              </a:rPr>
+              <a:t>({"name" : "tom", "age" : 33})</a:t>
+            </a:r>
+          </a:p>
+          <a:p>
+            <a:endParaRPr lang="en-US" altLang="ko-KR" sz="1400" dirty="0">
+              <a:latin typeface="굴림" panose="020B0600000101010101" pitchFamily="50" charset="-127"/>
+              <a:ea typeface="굴림" panose="020B0600000101010101" pitchFamily="50" charset="-127"/>
+            </a:endParaRPr>
+          </a:p>
+          <a:p>
+            <a:pPr marL="0" indent="0">
+              <a:buNone/>
+            </a:pPr>
+            <a:r>
+              <a:rPr lang="en-US" altLang="ko-KR" sz="1400" dirty="0" smtClean="0">
+                <a:latin typeface="굴림" panose="020B0600000101010101" pitchFamily="50" charset="-127"/>
+                <a:ea typeface="굴림" panose="020B0600000101010101" pitchFamily="50" charset="-127"/>
+              </a:rPr>
+              <a:t>#</a:t>
+            </a:r>
+            <a:r>
+              <a:rPr lang="ko-KR" altLang="en-US" sz="1400" dirty="0" smtClean="0">
+                <a:latin typeface="굴림" panose="020B0600000101010101" pitchFamily="50" charset="-127"/>
+                <a:ea typeface="굴림" panose="020B0600000101010101" pitchFamily="50" charset="-127"/>
+              </a:rPr>
+              <a:t>조회</a:t>
+            </a:r>
+            <a:endParaRPr lang="ko-KR" altLang="en-US" sz="1400" dirty="0">
+              <a:latin typeface="굴림" panose="020B0600000101010101" pitchFamily="50" charset="-127"/>
+              <a:ea typeface="굴림" panose="020B0600000101010101" pitchFamily="50" charset="-127"/>
+            </a:endParaRPr>
+          </a:p>
+          <a:p>
+            <a:pPr marL="0" indent="0">
+              <a:buNone/>
+            </a:pPr>
+            <a:r>
+              <a:rPr lang="en-US" altLang="ko-KR" sz="1400" dirty="0" smtClean="0">
+                <a:latin typeface="굴림" panose="020B0600000101010101" pitchFamily="50" charset="-127"/>
+                <a:ea typeface="굴림" panose="020B0600000101010101" pitchFamily="50" charset="-127"/>
+              </a:rPr>
+              <a:t> db</a:t>
+            </a:r>
+            <a:r>
+              <a:rPr lang="en-US" altLang="ko-KR" sz="1400" dirty="0">
+                <a:latin typeface="굴림" panose="020B0600000101010101" pitchFamily="50" charset="-127"/>
+                <a:ea typeface="굴림" panose="020B0600000101010101" pitchFamily="50" charset="-127"/>
+              </a:rPr>
+              <a:t>.</a:t>
+            </a:r>
+            <a:r>
+              <a:rPr lang="ko-KR" altLang="en-US" sz="1400" dirty="0" err="1">
+                <a:latin typeface="굴림" panose="020B0600000101010101" pitchFamily="50" charset="-127"/>
+                <a:ea typeface="굴림" panose="020B0600000101010101" pitchFamily="50" charset="-127"/>
+              </a:rPr>
+              <a:t>컬렉션명</a:t>
+            </a:r>
+            <a:r>
+              <a:rPr lang="en-US" altLang="ko-KR" sz="1400" dirty="0">
+                <a:latin typeface="굴림" panose="020B0600000101010101" pitchFamily="50" charset="-127"/>
+                <a:ea typeface="굴림" panose="020B0600000101010101" pitchFamily="50" charset="-127"/>
+              </a:rPr>
+              <a:t>.find([query, projection</a:t>
+            </a:r>
+            <a:r>
+              <a:rPr lang="en-US" altLang="ko-KR" sz="1400" dirty="0" smtClean="0">
+                <a:latin typeface="굴림" panose="020B0600000101010101" pitchFamily="50" charset="-127"/>
+                <a:ea typeface="굴림" panose="020B0600000101010101" pitchFamily="50" charset="-127"/>
+              </a:rPr>
+              <a:t>])  =&gt;  (.</a:t>
+            </a:r>
+            <a:r>
+              <a:rPr lang="en-US" altLang="ko-KR" sz="1400" dirty="0">
+                <a:latin typeface="굴림" panose="020B0600000101010101" pitchFamily="50" charset="-127"/>
+                <a:ea typeface="굴림" panose="020B0600000101010101" pitchFamily="50" charset="-127"/>
+              </a:rPr>
+              <a:t>pretty() </a:t>
+            </a:r>
+            <a:r>
+              <a:rPr lang="ko-KR" altLang="en-US" sz="1400" dirty="0">
+                <a:latin typeface="굴림" panose="020B0600000101010101" pitchFamily="50" charset="-127"/>
+                <a:ea typeface="굴림" panose="020B0600000101010101" pitchFamily="50" charset="-127"/>
+              </a:rPr>
+              <a:t>를 </a:t>
+            </a:r>
+            <a:r>
+              <a:rPr lang="ko-KR" altLang="en-US" sz="1400" dirty="0" smtClean="0">
+                <a:latin typeface="굴림" panose="020B0600000101010101" pitchFamily="50" charset="-127"/>
+                <a:ea typeface="굴림" panose="020B0600000101010101" pitchFamily="50" charset="-127"/>
+              </a:rPr>
+              <a:t>붙이면  </a:t>
+            </a:r>
+            <a:r>
+              <a:rPr lang="ko-KR" altLang="en-US" sz="1400" dirty="0" err="1" smtClean="0">
+                <a:latin typeface="굴림" panose="020B0600000101010101" pitchFamily="50" charset="-127"/>
+                <a:ea typeface="굴림" panose="020B0600000101010101" pitchFamily="50" charset="-127"/>
+              </a:rPr>
+              <a:t>자동정렬됨</a:t>
+            </a:r>
+            <a:r>
+              <a:rPr lang="en-US" altLang="ko-KR" sz="1400" dirty="0" smtClean="0">
+                <a:latin typeface="굴림" panose="020B0600000101010101" pitchFamily="50" charset="-127"/>
+                <a:ea typeface="굴림" panose="020B0600000101010101" pitchFamily="50" charset="-127"/>
+              </a:rPr>
+              <a:t>.)</a:t>
+            </a:r>
+          </a:p>
+          <a:p>
+            <a:pPr marL="0" indent="0">
+              <a:buNone/>
+            </a:pPr>
+            <a:endParaRPr lang="en-US" altLang="ko-KR" sz="1400" dirty="0" smtClean="0">
+              <a:latin typeface="굴림" panose="020B0600000101010101" pitchFamily="50" charset="-127"/>
+              <a:ea typeface="굴림" panose="020B0600000101010101" pitchFamily="50" charset="-127"/>
+            </a:endParaRPr>
+          </a:p>
+          <a:p>
+            <a:pPr marL="0" indent="0">
+              <a:buNone/>
+            </a:pPr>
+            <a:r>
+              <a:rPr lang="en-US" altLang="ko-KR" sz="1400" dirty="0" smtClean="0">
+                <a:latin typeface="굴림" panose="020B0600000101010101" pitchFamily="50" charset="-127"/>
+                <a:ea typeface="굴림" panose="020B0600000101010101" pitchFamily="50" charset="-127"/>
+              </a:rPr>
+              <a:t>#</a:t>
+            </a:r>
+            <a:r>
+              <a:rPr lang="en-US" altLang="ko-KR" sz="1400" dirty="0" smtClean="0"/>
+              <a:t> </a:t>
+            </a:r>
+            <a:r>
+              <a:rPr lang="ko-KR" altLang="en-US" sz="1400" dirty="0"/>
+              <a:t>비교 연산자</a:t>
+            </a:r>
+          </a:p>
+          <a:p>
+            <a:pPr marL="0" indent="0">
+              <a:buNone/>
+            </a:pPr>
+            <a:r>
+              <a:rPr lang="en-US" altLang="ko-KR" sz="1400" dirty="0" smtClean="0"/>
+              <a:t> $</a:t>
+            </a:r>
+            <a:r>
+              <a:rPr lang="en-US" altLang="ko-KR" sz="1400" dirty="0" err="1"/>
+              <a:t>eq</a:t>
+            </a:r>
+            <a:r>
+              <a:rPr lang="en-US" altLang="ko-KR" sz="1400" dirty="0"/>
+              <a:t> : (equals) </a:t>
+            </a:r>
+            <a:r>
+              <a:rPr lang="ko-KR" altLang="en-US" sz="1400" dirty="0"/>
+              <a:t>주어진 값과 일치하는 값</a:t>
+            </a:r>
+          </a:p>
+          <a:p>
+            <a:pPr marL="0" indent="0">
+              <a:buNone/>
+            </a:pPr>
+            <a:r>
+              <a:rPr lang="en-US" altLang="ko-KR" sz="1400" dirty="0" smtClean="0"/>
+              <a:t> $</a:t>
+            </a:r>
+            <a:r>
+              <a:rPr lang="en-US" altLang="ko-KR" sz="1400" dirty="0" err="1"/>
+              <a:t>gt</a:t>
+            </a:r>
+            <a:r>
+              <a:rPr lang="en-US" altLang="ko-KR" sz="1400" dirty="0"/>
+              <a:t> : (greater than) </a:t>
+            </a:r>
+            <a:r>
+              <a:rPr lang="ko-KR" altLang="en-US" sz="1400" dirty="0"/>
+              <a:t>주어진 값보다 큰 값</a:t>
+            </a:r>
+          </a:p>
+          <a:p>
+            <a:pPr marL="0" indent="0">
+              <a:buNone/>
+            </a:pPr>
+            <a:r>
+              <a:rPr lang="en-US" altLang="ko-KR" sz="1400" dirty="0" smtClean="0"/>
+              <a:t> $</a:t>
+            </a:r>
+            <a:r>
+              <a:rPr lang="en-US" altLang="ko-KR" sz="1400" dirty="0" err="1"/>
+              <a:t>gte</a:t>
+            </a:r>
+            <a:r>
+              <a:rPr lang="en-US" altLang="ko-KR" sz="1400" dirty="0"/>
+              <a:t> : (</a:t>
+            </a:r>
+            <a:r>
+              <a:rPr lang="en-US" altLang="ko-KR" sz="1400" dirty="0" err="1"/>
+              <a:t>greather</a:t>
+            </a:r>
+            <a:r>
+              <a:rPr lang="en-US" altLang="ko-KR" sz="1400" dirty="0"/>
+              <a:t> than or equals) </a:t>
+            </a:r>
+            <a:r>
+              <a:rPr lang="ko-KR" altLang="en-US" sz="1400" dirty="0"/>
+              <a:t>주어진 값보다 크거나 같은 값</a:t>
+            </a:r>
+          </a:p>
+          <a:p>
+            <a:pPr marL="0" indent="0">
+              <a:buNone/>
+            </a:pPr>
+            <a:r>
+              <a:rPr lang="en-US" altLang="ko-KR" sz="1400" dirty="0" smtClean="0"/>
+              <a:t> $</a:t>
+            </a:r>
+            <a:r>
+              <a:rPr lang="en-US" altLang="ko-KR" sz="1400" dirty="0" err="1"/>
+              <a:t>lt</a:t>
+            </a:r>
+            <a:r>
+              <a:rPr lang="en-US" altLang="ko-KR" sz="1400" dirty="0"/>
+              <a:t> : (less than) </a:t>
+            </a:r>
+            <a:r>
+              <a:rPr lang="ko-KR" altLang="en-US" sz="1400" dirty="0"/>
+              <a:t>주어진 값보다 작은 값</a:t>
+            </a:r>
+          </a:p>
+          <a:p>
+            <a:pPr marL="0" indent="0">
+              <a:buNone/>
+            </a:pPr>
+            <a:r>
+              <a:rPr lang="en-US" altLang="ko-KR" sz="1400" dirty="0" smtClean="0"/>
+              <a:t> $</a:t>
+            </a:r>
+            <a:r>
+              <a:rPr lang="en-US" altLang="ko-KR" sz="1400" dirty="0" err="1"/>
+              <a:t>lte</a:t>
+            </a:r>
+            <a:r>
+              <a:rPr lang="en-US" altLang="ko-KR" sz="1400" dirty="0"/>
+              <a:t> : (less than or equals) </a:t>
+            </a:r>
+            <a:r>
+              <a:rPr lang="ko-KR" altLang="en-US" sz="1400" dirty="0"/>
+              <a:t>주어진 값보다 작거나 같은 값</a:t>
+            </a:r>
+          </a:p>
+          <a:p>
+            <a:pPr marL="0" indent="0">
+              <a:buNone/>
+            </a:pPr>
+            <a:r>
+              <a:rPr lang="en-US" altLang="ko-KR" sz="1400" dirty="0" smtClean="0"/>
+              <a:t> $</a:t>
+            </a:r>
+            <a:r>
+              <a:rPr lang="en-US" altLang="ko-KR" sz="1400" dirty="0"/>
+              <a:t>ne : (not equal) </a:t>
+            </a:r>
+            <a:r>
+              <a:rPr lang="ko-KR" altLang="en-US" sz="1400" dirty="0"/>
+              <a:t>주어진 값과 일치하지 않는 값</a:t>
+            </a:r>
+          </a:p>
+          <a:p>
+            <a:pPr marL="0" indent="0">
+              <a:buNone/>
+            </a:pPr>
+            <a:r>
+              <a:rPr lang="en-US" altLang="ko-KR" sz="1400" dirty="0" smtClean="0"/>
+              <a:t> $</a:t>
+            </a:r>
+            <a:r>
+              <a:rPr lang="en-US" altLang="ko-KR" sz="1400" dirty="0"/>
+              <a:t>in : </a:t>
+            </a:r>
+            <a:r>
+              <a:rPr lang="ko-KR" altLang="en-US" sz="1400" dirty="0"/>
+              <a:t>주어진 배열 안에 속하는 값</a:t>
+            </a:r>
+          </a:p>
+          <a:p>
+            <a:pPr marL="0" indent="0">
+              <a:buNone/>
+            </a:pPr>
+            <a:r>
+              <a:rPr lang="en-US" altLang="ko-KR" sz="1400" dirty="0" smtClean="0"/>
+              <a:t> $</a:t>
+            </a:r>
+            <a:r>
+              <a:rPr lang="en-US" altLang="ko-KR" sz="1400" dirty="0" err="1"/>
+              <a:t>nin</a:t>
+            </a:r>
+            <a:r>
+              <a:rPr lang="en-US" altLang="ko-KR" sz="1400" dirty="0"/>
+              <a:t> : </a:t>
+            </a:r>
+            <a:r>
+              <a:rPr lang="ko-KR" altLang="en-US" sz="1400" dirty="0" err="1"/>
+              <a:t>주어빈</a:t>
+            </a:r>
+            <a:r>
+              <a:rPr lang="ko-KR" altLang="en-US" sz="1400" dirty="0"/>
+              <a:t> 배열 안에 속하지 않는 값</a:t>
+            </a:r>
+          </a:p>
+          <a:p>
+            <a:pPr marL="0" indent="0">
+              <a:buNone/>
+            </a:pPr>
+            <a:r>
+              <a:rPr lang="en-US" altLang="ko-KR" sz="1400" dirty="0" smtClean="0"/>
+              <a:t> ex</a:t>
+            </a:r>
+            <a:r>
+              <a:rPr lang="en-US" altLang="ko-KR" sz="1400" dirty="0"/>
+              <a:t>. &gt; </a:t>
+            </a:r>
+            <a:r>
+              <a:rPr lang="en-US" altLang="ko-KR" sz="1400" dirty="0" err="1"/>
+              <a:t>db.articles.find</a:t>
+            </a:r>
+            <a:r>
+              <a:rPr lang="en-US" altLang="ko-KR" sz="1400" dirty="0"/>
+              <a:t>( { “likes”: { $</a:t>
+            </a:r>
+            <a:r>
+              <a:rPr lang="en-US" altLang="ko-KR" sz="1400" dirty="0" err="1"/>
+              <a:t>gt</a:t>
+            </a:r>
+            <a:r>
+              <a:rPr lang="en-US" altLang="ko-KR" sz="1400" dirty="0"/>
+              <a:t>: 10, $</a:t>
+            </a:r>
+            <a:r>
+              <a:rPr lang="en-US" altLang="ko-KR" sz="1400" dirty="0" err="1"/>
+              <a:t>lt</a:t>
+            </a:r>
+            <a:r>
+              <a:rPr lang="en-US" altLang="ko-KR" sz="1400" dirty="0"/>
+              <a:t>: 30 } } )</a:t>
+            </a:r>
+          </a:p>
+          <a:p>
+            <a:pPr marL="0" indent="0">
+              <a:buNone/>
+            </a:pPr>
+            <a:endParaRPr lang="ko-KR" altLang="en-US" sz="1400" dirty="0">
+              <a:latin typeface="굴림" panose="020B0600000101010101" pitchFamily="50" charset="-127"/>
+              <a:ea typeface="굴림" panose="020B0600000101010101" pitchFamily="50" charset="-127"/>
+            </a:endParaRPr>
+          </a:p>
+        </p:txBody>
+      </p:sp>
+    </p:spTree>
+    <p:extLst>
+      <p:ext uri="{BB962C8B-B14F-4D97-AF65-F5344CB8AC3E}">
+        <p14:creationId xmlns:p14="http://schemas.microsoft.com/office/powerpoint/2010/main" val="649422182"/>
+      </p:ext>
+    </p:extLst>
+  </p:cSld>
+  <p:clrMapOvr>
+    <a:masterClrMapping/>
+  </p:clrMapOvr>
+</p:sld>
+</file>
+
+<file path=ppt/slides/slide6.xml><?xml version="1.0" encoding="utf-8"?>
+<p:sld xmlns:a="http://schemas.openxmlformats.org/drawingml/2006/main" xmlns:r="http://schemas.openxmlformats.org/officeDocument/2006/relationships" xmlns:p="http://schemas.openxmlformats.org/presentationml/2006/main">
+  <p:cSld>
+    <p:spTree>
+      <p:nvGrpSpPr>
+        <p:cNvPr id="1" name=""/>
+        <p:cNvGrpSpPr/>
+        <p:nvPr/>
+      </p:nvGrpSpPr>
+      <p:grpSpPr>
+        <a:xfrm>
+          <a:off x="0" y="0"/>
+          <a:ext cx="0" cy="0"/>
+          <a:chOff x="0" y="0"/>
+          <a:chExt cx="0" cy="0"/>
+        </a:xfrm>
+      </p:grpSpPr>
+      <p:sp>
+        <p:nvSpPr>
+          <p:cNvPr id="2" name="제목 1"/>
+          <p:cNvSpPr>
+            <a:spLocks noGrp="1"/>
+          </p:cNvSpPr>
+          <p:nvPr>
+            <p:ph type="title"/>
+          </p:nvPr>
+        </p:nvSpPr>
+        <p:spPr>
+          <a:xfrm>
+            <a:off x="825500" y="212725"/>
+            <a:ext cx="10515600" cy="358775"/>
+          </a:xfrm>
+        </p:spPr>
+        <p:txBody>
+          <a:bodyPr>
+            <a:normAutofit/>
+          </a:bodyPr>
+          <a:lstStyle/>
+          <a:p>
+            <a:r>
+              <a:rPr lang="ko-KR" altLang="en-US" sz="1400" dirty="0" err="1" smtClean="0">
+                <a:latin typeface="굴림" panose="020B0600000101010101" pitchFamily="50" charset="-127"/>
+                <a:ea typeface="굴림" panose="020B0600000101010101" pitchFamily="50" charset="-127"/>
+              </a:rPr>
+              <a:t>기본명령어</a:t>
+            </a:r>
+            <a:r>
+              <a:rPr lang="ko-KR" altLang="en-US" sz="1400" dirty="0" smtClean="0">
+                <a:latin typeface="굴림" panose="020B0600000101010101" pitchFamily="50" charset="-127"/>
+                <a:ea typeface="굴림" panose="020B0600000101010101" pitchFamily="50" charset="-127"/>
+              </a:rPr>
+              <a:t> </a:t>
+            </a:r>
+            <a:r>
+              <a:rPr lang="en-US" altLang="ko-KR" sz="1400" dirty="0" smtClean="0">
+                <a:latin typeface="굴림" panose="020B0600000101010101" pitchFamily="50" charset="-127"/>
+                <a:ea typeface="굴림" panose="020B0600000101010101" pitchFamily="50" charset="-127"/>
+              </a:rPr>
+              <a:t>- 3</a:t>
+            </a:r>
+            <a:endParaRPr lang="ko-KR" altLang="en-US" sz="1400" dirty="0">
+              <a:latin typeface="굴림" panose="020B0600000101010101" pitchFamily="50" charset="-127"/>
+              <a:ea typeface="굴림" panose="020B0600000101010101" pitchFamily="50" charset="-127"/>
+            </a:endParaRPr>
+          </a:p>
+        </p:txBody>
+      </p:sp>
+      <p:sp>
+        <p:nvSpPr>
+          <p:cNvPr id="3" name="내용 개체 틀 2"/>
+          <p:cNvSpPr>
+            <a:spLocks noGrp="1"/>
+          </p:cNvSpPr>
+          <p:nvPr>
+            <p:ph idx="1"/>
+          </p:nvPr>
+        </p:nvSpPr>
+        <p:spPr>
+          <a:xfrm>
+            <a:off x="723900" y="685800"/>
+            <a:ext cx="10515600" cy="5842000"/>
+          </a:xfrm>
+        </p:spPr>
+        <p:txBody>
+          <a:bodyPr>
+            <a:normAutofit fontScale="47500" lnSpcReduction="20000"/>
+          </a:bodyPr>
+          <a:lstStyle/>
+          <a:p>
+            <a:pPr marL="0" indent="0">
+              <a:buNone/>
+            </a:pPr>
+            <a:r>
+              <a:rPr lang="en-US" altLang="ko-KR" dirty="0" smtClean="0">
+                <a:latin typeface="굴림" panose="020B0600000101010101" pitchFamily="50" charset="-127"/>
+                <a:ea typeface="굴림" panose="020B0600000101010101" pitchFamily="50" charset="-127"/>
+              </a:rPr>
+              <a:t>4-2</a:t>
+            </a:r>
+            <a:r>
+              <a:rPr lang="en-US" altLang="ko-KR" dirty="0">
+                <a:latin typeface="굴림" panose="020B0600000101010101" pitchFamily="50" charset="-127"/>
+                <a:ea typeface="굴림" panose="020B0600000101010101" pitchFamily="50" charset="-127"/>
+              </a:rPr>
+              <a:t>. </a:t>
+            </a:r>
+            <a:r>
+              <a:rPr lang="ko-KR" altLang="en-US" dirty="0">
+                <a:latin typeface="굴림" panose="020B0600000101010101" pitchFamily="50" charset="-127"/>
+                <a:ea typeface="굴림" panose="020B0600000101010101" pitchFamily="50" charset="-127"/>
+              </a:rPr>
+              <a:t>논리 연산자</a:t>
+            </a:r>
+          </a:p>
+          <a:p>
+            <a:pPr marL="0" indent="0">
+              <a:buNone/>
+            </a:pPr>
+            <a:r>
+              <a:rPr lang="en-US" altLang="ko-KR" dirty="0" smtClean="0">
+                <a:latin typeface="굴림" panose="020B0600000101010101" pitchFamily="50" charset="-127"/>
+                <a:ea typeface="굴림" panose="020B0600000101010101" pitchFamily="50" charset="-127"/>
+              </a:rPr>
+              <a:t> $</a:t>
+            </a:r>
+            <a:r>
+              <a:rPr lang="en-US" altLang="ko-KR" dirty="0">
+                <a:latin typeface="굴림" panose="020B0600000101010101" pitchFamily="50" charset="-127"/>
+                <a:ea typeface="굴림" panose="020B0600000101010101" pitchFamily="50" charset="-127"/>
+              </a:rPr>
+              <a:t>or</a:t>
+            </a:r>
+          </a:p>
+          <a:p>
+            <a:pPr marL="0" indent="0">
+              <a:buNone/>
+            </a:pPr>
+            <a:r>
+              <a:rPr lang="en-US" altLang="ko-KR" dirty="0" smtClean="0">
+                <a:latin typeface="굴림" panose="020B0600000101010101" pitchFamily="50" charset="-127"/>
+                <a:ea typeface="굴림" panose="020B0600000101010101" pitchFamily="50" charset="-127"/>
+              </a:rPr>
+              <a:t> $</a:t>
+            </a:r>
+            <a:r>
+              <a:rPr lang="en-US" altLang="ko-KR" dirty="0">
+                <a:latin typeface="굴림" panose="020B0600000101010101" pitchFamily="50" charset="-127"/>
+                <a:ea typeface="굴림" panose="020B0600000101010101" pitchFamily="50" charset="-127"/>
+              </a:rPr>
+              <a:t>and</a:t>
+            </a:r>
+          </a:p>
+          <a:p>
+            <a:pPr marL="0" indent="0">
+              <a:buNone/>
+            </a:pPr>
+            <a:r>
+              <a:rPr lang="en-US" altLang="ko-KR" dirty="0" smtClean="0">
+                <a:latin typeface="굴림" panose="020B0600000101010101" pitchFamily="50" charset="-127"/>
+                <a:ea typeface="굴림" panose="020B0600000101010101" pitchFamily="50" charset="-127"/>
+              </a:rPr>
+              <a:t> $</a:t>
+            </a:r>
+            <a:r>
+              <a:rPr lang="en-US" altLang="ko-KR" dirty="0">
+                <a:latin typeface="굴림" panose="020B0600000101010101" pitchFamily="50" charset="-127"/>
+                <a:ea typeface="굴림" panose="020B0600000101010101" pitchFamily="50" charset="-127"/>
+              </a:rPr>
+              <a:t>not</a:t>
+            </a:r>
+          </a:p>
+          <a:p>
+            <a:pPr marL="0" indent="0">
+              <a:buNone/>
+            </a:pPr>
+            <a:r>
+              <a:rPr lang="en-US" altLang="ko-KR" dirty="0" smtClean="0">
+                <a:latin typeface="굴림" panose="020B0600000101010101" pitchFamily="50" charset="-127"/>
+                <a:ea typeface="굴림" panose="020B0600000101010101" pitchFamily="50" charset="-127"/>
+              </a:rPr>
+              <a:t> $</a:t>
+            </a:r>
+            <a:r>
+              <a:rPr lang="en-US" altLang="ko-KR" dirty="0">
+                <a:latin typeface="굴림" panose="020B0600000101010101" pitchFamily="50" charset="-127"/>
+                <a:ea typeface="굴림" panose="020B0600000101010101" pitchFamily="50" charset="-127"/>
+              </a:rPr>
+              <a:t>nor</a:t>
+            </a:r>
+          </a:p>
+          <a:p>
+            <a:pPr marL="0" indent="0">
+              <a:buNone/>
+            </a:pPr>
+            <a:r>
+              <a:rPr lang="en-US" altLang="ko-KR" dirty="0" smtClean="0">
+                <a:latin typeface="굴림" panose="020B0600000101010101" pitchFamily="50" charset="-127"/>
+                <a:ea typeface="굴림" panose="020B0600000101010101" pitchFamily="50" charset="-127"/>
+              </a:rPr>
+              <a:t> ex</a:t>
+            </a:r>
+            <a:r>
+              <a:rPr lang="en-US" altLang="ko-KR" dirty="0">
+                <a:latin typeface="굴림" panose="020B0600000101010101" pitchFamily="50" charset="-127"/>
+                <a:ea typeface="굴림" panose="020B0600000101010101" pitchFamily="50" charset="-127"/>
+              </a:rPr>
+              <a:t>. &gt; </a:t>
+            </a:r>
+            <a:r>
+              <a:rPr lang="en-US" altLang="ko-KR" dirty="0" err="1">
+                <a:latin typeface="굴림" panose="020B0600000101010101" pitchFamily="50" charset="-127"/>
+                <a:ea typeface="굴림" panose="020B0600000101010101" pitchFamily="50" charset="-127"/>
+              </a:rPr>
+              <a:t>db.articles.find</a:t>
+            </a:r>
+            <a:r>
+              <a:rPr lang="en-US" altLang="ko-KR" dirty="0">
+                <a:latin typeface="굴림" panose="020B0600000101010101" pitchFamily="50" charset="-127"/>
+                <a:ea typeface="굴림" panose="020B0600000101010101" pitchFamily="50" charset="-127"/>
+              </a:rPr>
+              <a:t>({ $or: [ { “title”: “article01” }, { “writer”: “Alpha” } ] })</a:t>
+            </a:r>
+          </a:p>
+          <a:p>
+            <a:endParaRPr lang="en-US" altLang="ko-KR" dirty="0">
+              <a:latin typeface="굴림" panose="020B0600000101010101" pitchFamily="50" charset="-127"/>
+              <a:ea typeface="굴림" panose="020B0600000101010101" pitchFamily="50" charset="-127"/>
+            </a:endParaRPr>
+          </a:p>
+          <a:p>
+            <a:pPr marL="0" indent="0">
+              <a:buNone/>
+            </a:pPr>
+            <a:r>
+              <a:rPr lang="en-US" altLang="ko-KR" dirty="0" smtClean="0">
+                <a:latin typeface="굴림" panose="020B0600000101010101" pitchFamily="50" charset="-127"/>
+                <a:ea typeface="굴림" panose="020B0600000101010101" pitchFamily="50" charset="-127"/>
+              </a:rPr>
+              <a:t># </a:t>
+            </a:r>
+            <a:r>
+              <a:rPr lang="en-US" altLang="ko-KR" dirty="0">
+                <a:latin typeface="굴림" panose="020B0600000101010101" pitchFamily="50" charset="-127"/>
+                <a:ea typeface="굴림" panose="020B0600000101010101" pitchFamily="50" charset="-127"/>
+              </a:rPr>
+              <a:t>$regex </a:t>
+            </a:r>
+            <a:r>
+              <a:rPr lang="ko-KR" altLang="en-US" dirty="0">
+                <a:latin typeface="굴림" panose="020B0600000101010101" pitchFamily="50" charset="-127"/>
+                <a:ea typeface="굴림" panose="020B0600000101010101" pitchFamily="50" charset="-127"/>
+              </a:rPr>
+              <a:t>연산자</a:t>
+            </a:r>
+          </a:p>
+          <a:p>
+            <a:pPr marL="0" indent="0">
+              <a:buNone/>
+            </a:pPr>
+            <a:r>
+              <a:rPr lang="en-US" altLang="ko-KR" dirty="0" smtClean="0">
+                <a:latin typeface="굴림" panose="020B0600000101010101" pitchFamily="50" charset="-127"/>
+                <a:ea typeface="굴림" panose="020B0600000101010101" pitchFamily="50" charset="-127"/>
+              </a:rPr>
+              <a:t> { </a:t>
+            </a:r>
+            <a:r>
+              <a:rPr lang="en-US" altLang="ko-KR" dirty="0">
+                <a:latin typeface="굴림" panose="020B0600000101010101" pitchFamily="50" charset="-127"/>
+                <a:ea typeface="굴림" panose="020B0600000101010101" pitchFamily="50" charset="-127"/>
+              </a:rPr>
+              <a:t>&lt;field&gt;: /pattern/&lt;options&gt; } </a:t>
+            </a:r>
+            <a:r>
+              <a:rPr lang="ko-KR" altLang="en-US" dirty="0">
+                <a:latin typeface="굴림" panose="020B0600000101010101" pitchFamily="50" charset="-127"/>
+                <a:ea typeface="굴림" panose="020B0600000101010101" pitchFamily="50" charset="-127"/>
+              </a:rPr>
+              <a:t>이런 형태로 정규표현식으로 쿼리를 날릴 수 있다</a:t>
+            </a:r>
+            <a:r>
+              <a:rPr lang="en-US" altLang="ko-KR" dirty="0">
+                <a:latin typeface="굴림" panose="020B0600000101010101" pitchFamily="50" charset="-127"/>
+                <a:ea typeface="굴림" panose="020B0600000101010101" pitchFamily="50" charset="-127"/>
+              </a:rPr>
+              <a:t>.</a:t>
+            </a:r>
+          </a:p>
+          <a:p>
+            <a:pPr marL="0" indent="0">
+              <a:buNone/>
+            </a:pPr>
+            <a:r>
+              <a:rPr lang="en-US" altLang="ko-KR" dirty="0" smtClean="0">
+                <a:latin typeface="굴림" panose="020B0600000101010101" pitchFamily="50" charset="-127"/>
+                <a:ea typeface="굴림" panose="020B0600000101010101" pitchFamily="50" charset="-127"/>
+              </a:rPr>
+              <a:t>options </a:t>
+            </a:r>
+            <a:r>
+              <a:rPr lang="ko-KR" altLang="en-US" dirty="0">
+                <a:latin typeface="굴림" panose="020B0600000101010101" pitchFamily="50" charset="-127"/>
+                <a:ea typeface="굴림" panose="020B0600000101010101" pitchFamily="50" charset="-127"/>
+              </a:rPr>
+              <a:t> </a:t>
+            </a:r>
+            <a:r>
+              <a:rPr lang="ko-KR" altLang="en-US" dirty="0" smtClean="0">
+                <a:latin typeface="굴림" panose="020B0600000101010101" pitchFamily="50" charset="-127"/>
+                <a:ea typeface="굴림" panose="020B0600000101010101" pitchFamily="50" charset="-127"/>
+              </a:rPr>
+              <a:t>예</a:t>
+            </a:r>
+            <a:r>
+              <a:rPr lang="en-US" altLang="ko-KR" dirty="0" smtClean="0">
+                <a:latin typeface="굴림" panose="020B0600000101010101" pitchFamily="50" charset="-127"/>
+                <a:ea typeface="굴림" panose="020B0600000101010101" pitchFamily="50" charset="-127"/>
+              </a:rPr>
+              <a:t>:</a:t>
+            </a:r>
+            <a:endParaRPr lang="en-US" altLang="ko-KR" dirty="0">
+              <a:latin typeface="굴림" panose="020B0600000101010101" pitchFamily="50" charset="-127"/>
+              <a:ea typeface="굴림" panose="020B0600000101010101" pitchFamily="50" charset="-127"/>
+            </a:endParaRPr>
+          </a:p>
+          <a:p>
+            <a:pPr marL="0" indent="0">
+              <a:buNone/>
+            </a:pPr>
+            <a:r>
+              <a:rPr lang="en-US" altLang="ko-KR" dirty="0" smtClean="0">
+                <a:latin typeface="굴림" panose="020B0600000101010101" pitchFamily="50" charset="-127"/>
+                <a:ea typeface="굴림" panose="020B0600000101010101" pitchFamily="50" charset="-127"/>
+              </a:rPr>
+              <a:t> </a:t>
+            </a:r>
+            <a:r>
+              <a:rPr lang="en-US" altLang="ko-KR" dirty="0" err="1" smtClean="0">
+                <a:latin typeface="굴림" panose="020B0600000101010101" pitchFamily="50" charset="-127"/>
+                <a:ea typeface="굴림" panose="020B0600000101010101" pitchFamily="50" charset="-127"/>
+              </a:rPr>
+              <a:t>i</a:t>
+            </a:r>
+            <a:r>
+              <a:rPr lang="en-US" altLang="ko-KR" dirty="0" smtClean="0">
+                <a:latin typeface="굴림" panose="020B0600000101010101" pitchFamily="50" charset="-127"/>
+                <a:ea typeface="굴림" panose="020B0600000101010101" pitchFamily="50" charset="-127"/>
+              </a:rPr>
+              <a:t> </a:t>
+            </a:r>
+            <a:r>
+              <a:rPr lang="en-US" altLang="ko-KR" dirty="0">
+                <a:latin typeface="굴림" panose="020B0600000101010101" pitchFamily="50" charset="-127"/>
+                <a:ea typeface="굴림" panose="020B0600000101010101" pitchFamily="50" charset="-127"/>
+              </a:rPr>
+              <a:t>: </a:t>
+            </a:r>
+            <a:r>
+              <a:rPr lang="ko-KR" altLang="en-US" dirty="0">
+                <a:latin typeface="굴림" panose="020B0600000101010101" pitchFamily="50" charset="-127"/>
+                <a:ea typeface="굴림" panose="020B0600000101010101" pitchFamily="50" charset="-127"/>
+              </a:rPr>
+              <a:t>대소문자 무시</a:t>
+            </a:r>
+          </a:p>
+          <a:p>
+            <a:pPr marL="0" indent="0">
+              <a:buNone/>
+            </a:pPr>
+            <a:r>
+              <a:rPr lang="en-US" altLang="ko-KR" dirty="0" smtClean="0">
+                <a:latin typeface="굴림" panose="020B0600000101010101" pitchFamily="50" charset="-127"/>
+                <a:ea typeface="굴림" panose="020B0600000101010101" pitchFamily="50" charset="-127"/>
+              </a:rPr>
+              <a:t> m </a:t>
+            </a:r>
+            <a:r>
+              <a:rPr lang="en-US" altLang="ko-KR" dirty="0">
+                <a:latin typeface="굴림" panose="020B0600000101010101" pitchFamily="50" charset="-127"/>
+                <a:ea typeface="굴림" panose="020B0600000101010101" pitchFamily="50" charset="-127"/>
+              </a:rPr>
+              <a:t>: </a:t>
+            </a:r>
+            <a:r>
+              <a:rPr lang="ko-KR" altLang="en-US" dirty="0" err="1">
+                <a:latin typeface="굴림" panose="020B0600000101010101" pitchFamily="50" charset="-127"/>
+                <a:ea typeface="굴림" panose="020B0600000101010101" pitchFamily="50" charset="-127"/>
+              </a:rPr>
+              <a:t>정규식에서</a:t>
+            </a:r>
+            <a:r>
+              <a:rPr lang="ko-KR" altLang="en-US" dirty="0">
+                <a:latin typeface="굴림" panose="020B0600000101010101" pitchFamily="50" charset="-127"/>
+                <a:ea typeface="굴림" panose="020B0600000101010101" pitchFamily="50" charset="-127"/>
+              </a:rPr>
+              <a:t> </a:t>
+            </a:r>
+            <a:r>
+              <a:rPr lang="en-US" altLang="ko-KR" dirty="0">
+                <a:latin typeface="굴림" panose="020B0600000101010101" pitchFamily="50" charset="-127"/>
+                <a:ea typeface="굴림" panose="020B0600000101010101" pitchFamily="50" charset="-127"/>
+              </a:rPr>
+              <a:t>anchor(^) </a:t>
+            </a:r>
+            <a:r>
+              <a:rPr lang="ko-KR" altLang="en-US" dirty="0">
+                <a:latin typeface="굴림" panose="020B0600000101010101" pitchFamily="50" charset="-127"/>
+                <a:ea typeface="굴림" panose="020B0600000101010101" pitchFamily="50" charset="-127"/>
+              </a:rPr>
+              <a:t>를 사용 할 때 값에 </a:t>
+            </a:r>
+            <a:r>
+              <a:rPr lang="en-US" altLang="ko-KR" dirty="0">
+                <a:latin typeface="굴림" panose="020B0600000101010101" pitchFamily="50" charset="-127"/>
+                <a:ea typeface="굴림" panose="020B0600000101010101" pitchFamily="50" charset="-127"/>
+              </a:rPr>
+              <a:t>\n </a:t>
+            </a:r>
+            <a:r>
+              <a:rPr lang="ko-KR" altLang="en-US" dirty="0">
+                <a:latin typeface="굴림" panose="020B0600000101010101" pitchFamily="50" charset="-127"/>
+                <a:ea typeface="굴림" panose="020B0600000101010101" pitchFamily="50" charset="-127"/>
+              </a:rPr>
+              <a:t>이 있다면 무력화</a:t>
+            </a:r>
+          </a:p>
+          <a:p>
+            <a:pPr marL="0" indent="0">
+              <a:buNone/>
+            </a:pPr>
+            <a:r>
+              <a:rPr lang="en-US" altLang="ko-KR" dirty="0" smtClean="0">
+                <a:latin typeface="굴림" panose="020B0600000101010101" pitchFamily="50" charset="-127"/>
+                <a:ea typeface="굴림" panose="020B0600000101010101" pitchFamily="50" charset="-127"/>
+              </a:rPr>
+              <a:t> x </a:t>
+            </a:r>
+            <a:r>
+              <a:rPr lang="en-US" altLang="ko-KR" dirty="0">
+                <a:latin typeface="굴림" panose="020B0600000101010101" pitchFamily="50" charset="-127"/>
+                <a:ea typeface="굴림" panose="020B0600000101010101" pitchFamily="50" charset="-127"/>
+              </a:rPr>
+              <a:t>: </a:t>
+            </a:r>
+            <a:r>
+              <a:rPr lang="ko-KR" altLang="en-US" dirty="0">
+                <a:latin typeface="굴림" panose="020B0600000101010101" pitchFamily="50" charset="-127"/>
+                <a:ea typeface="굴림" panose="020B0600000101010101" pitchFamily="50" charset="-127"/>
+              </a:rPr>
+              <a:t>정규식 </a:t>
+            </a:r>
+            <a:r>
+              <a:rPr lang="ko-KR" altLang="en-US" dirty="0" err="1">
+                <a:latin typeface="굴림" panose="020B0600000101010101" pitchFamily="50" charset="-127"/>
+                <a:ea typeface="굴림" panose="020B0600000101010101" pitchFamily="50" charset="-127"/>
+              </a:rPr>
+              <a:t>안에있는</a:t>
+            </a:r>
+            <a:r>
+              <a:rPr lang="ko-KR" altLang="en-US" dirty="0">
+                <a:latin typeface="굴림" panose="020B0600000101010101" pitchFamily="50" charset="-127"/>
+                <a:ea typeface="굴림" panose="020B0600000101010101" pitchFamily="50" charset="-127"/>
+              </a:rPr>
+              <a:t> </a:t>
+            </a:r>
+            <a:r>
+              <a:rPr lang="en-US" altLang="ko-KR" dirty="0">
+                <a:latin typeface="굴림" panose="020B0600000101010101" pitchFamily="50" charset="-127"/>
+                <a:ea typeface="굴림" panose="020B0600000101010101" pitchFamily="50" charset="-127"/>
+              </a:rPr>
+              <a:t>whitespace</a:t>
+            </a:r>
+            <a:r>
+              <a:rPr lang="ko-KR" altLang="en-US" dirty="0">
+                <a:latin typeface="굴림" panose="020B0600000101010101" pitchFamily="50" charset="-127"/>
+                <a:ea typeface="굴림" panose="020B0600000101010101" pitchFamily="50" charset="-127"/>
+              </a:rPr>
+              <a:t>를 모두 무시</a:t>
+            </a:r>
+          </a:p>
+          <a:p>
+            <a:pPr marL="0" indent="0">
+              <a:buNone/>
+            </a:pPr>
+            <a:r>
+              <a:rPr lang="en-US" altLang="ko-KR" dirty="0" smtClean="0">
+                <a:latin typeface="굴림" panose="020B0600000101010101" pitchFamily="50" charset="-127"/>
+                <a:ea typeface="굴림" panose="020B0600000101010101" pitchFamily="50" charset="-127"/>
+              </a:rPr>
+              <a:t> s </a:t>
+            </a:r>
+            <a:r>
+              <a:rPr lang="en-US" altLang="ko-KR" dirty="0">
+                <a:latin typeface="굴림" panose="020B0600000101010101" pitchFamily="50" charset="-127"/>
+                <a:ea typeface="굴림" panose="020B0600000101010101" pitchFamily="50" charset="-127"/>
+              </a:rPr>
+              <a:t>: dot (.) </a:t>
+            </a:r>
+            <a:r>
+              <a:rPr lang="ko-KR" altLang="en-US" dirty="0">
+                <a:latin typeface="굴림" panose="020B0600000101010101" pitchFamily="50" charset="-127"/>
+                <a:ea typeface="굴림" panose="020B0600000101010101" pitchFamily="50" charset="-127"/>
+              </a:rPr>
+              <a:t>사용 할 </a:t>
+            </a:r>
+            <a:r>
+              <a:rPr lang="ko-KR" altLang="en-US" dirty="0" err="1">
+                <a:latin typeface="굴림" panose="020B0600000101010101" pitchFamily="50" charset="-127"/>
+                <a:ea typeface="굴림" panose="020B0600000101010101" pitchFamily="50" charset="-127"/>
+              </a:rPr>
+              <a:t>떄</a:t>
+            </a:r>
+            <a:r>
+              <a:rPr lang="ko-KR" altLang="en-US" dirty="0">
+                <a:latin typeface="굴림" panose="020B0600000101010101" pitchFamily="50" charset="-127"/>
+                <a:ea typeface="굴림" panose="020B0600000101010101" pitchFamily="50" charset="-127"/>
+              </a:rPr>
+              <a:t> </a:t>
+            </a:r>
+            <a:r>
+              <a:rPr lang="en-US" altLang="ko-KR" dirty="0">
+                <a:latin typeface="굴림" panose="020B0600000101010101" pitchFamily="50" charset="-127"/>
+                <a:ea typeface="굴림" panose="020B0600000101010101" pitchFamily="50" charset="-127"/>
+              </a:rPr>
+              <a:t>\n </a:t>
+            </a:r>
+            <a:r>
+              <a:rPr lang="ko-KR" altLang="en-US" dirty="0">
+                <a:latin typeface="굴림" panose="020B0600000101010101" pitchFamily="50" charset="-127"/>
+                <a:ea typeface="굴림" panose="020B0600000101010101" pitchFamily="50" charset="-127"/>
+              </a:rPr>
+              <a:t>을 포함해서 매치</a:t>
+            </a:r>
+          </a:p>
+          <a:p>
+            <a:pPr marL="0" indent="0">
+              <a:buNone/>
+            </a:pPr>
+            <a:r>
+              <a:rPr lang="en-US" altLang="ko-KR" dirty="0" smtClean="0">
+                <a:latin typeface="굴림" panose="020B0600000101010101" pitchFamily="50" charset="-127"/>
+                <a:ea typeface="굴림" panose="020B0600000101010101" pitchFamily="50" charset="-127"/>
+              </a:rPr>
+              <a:t> ex</a:t>
+            </a:r>
+            <a:r>
+              <a:rPr lang="en-US" altLang="ko-KR" dirty="0">
+                <a:latin typeface="굴림" panose="020B0600000101010101" pitchFamily="50" charset="-127"/>
+                <a:ea typeface="굴림" panose="020B0600000101010101" pitchFamily="50" charset="-127"/>
+              </a:rPr>
+              <a:t>. &gt; </a:t>
+            </a:r>
+            <a:r>
+              <a:rPr lang="en-US" altLang="ko-KR" dirty="0" err="1">
+                <a:latin typeface="굴림" panose="020B0600000101010101" pitchFamily="50" charset="-127"/>
+                <a:ea typeface="굴림" panose="020B0600000101010101" pitchFamily="50" charset="-127"/>
+              </a:rPr>
+              <a:t>db.articles.find</a:t>
+            </a:r>
+            <a:r>
+              <a:rPr lang="en-US" altLang="ko-KR" dirty="0">
+                <a:latin typeface="굴림" panose="020B0600000101010101" pitchFamily="50" charset="-127"/>
+                <a:ea typeface="굴림" panose="020B0600000101010101" pitchFamily="50" charset="-127"/>
+              </a:rPr>
+              <a:t>( { "title" : /article0[1-2]/ } )</a:t>
+            </a:r>
+          </a:p>
+          <a:p>
+            <a:endParaRPr lang="en-US" altLang="ko-KR" dirty="0">
+              <a:latin typeface="굴림" panose="020B0600000101010101" pitchFamily="50" charset="-127"/>
+              <a:ea typeface="굴림" panose="020B0600000101010101" pitchFamily="50" charset="-127"/>
+            </a:endParaRPr>
+          </a:p>
+          <a:p>
+            <a:pPr marL="0" indent="0">
+              <a:buNone/>
+            </a:pPr>
+            <a:r>
+              <a:rPr lang="en-US" altLang="ko-KR" dirty="0" smtClean="0">
+                <a:latin typeface="굴림" panose="020B0600000101010101" pitchFamily="50" charset="-127"/>
+                <a:ea typeface="굴림" panose="020B0600000101010101" pitchFamily="50" charset="-127"/>
+              </a:rPr>
+              <a:t> # </a:t>
+            </a:r>
+            <a:r>
+              <a:rPr lang="en-US" altLang="ko-KR" dirty="0">
+                <a:latin typeface="굴림" panose="020B0600000101010101" pitchFamily="50" charset="-127"/>
+                <a:ea typeface="굴림" panose="020B0600000101010101" pitchFamily="50" charset="-127"/>
+              </a:rPr>
+              <a:t>$where </a:t>
+            </a:r>
+            <a:r>
+              <a:rPr lang="ko-KR" altLang="en-US" dirty="0">
+                <a:latin typeface="굴림" panose="020B0600000101010101" pitchFamily="50" charset="-127"/>
+                <a:ea typeface="굴림" panose="020B0600000101010101" pitchFamily="50" charset="-127"/>
+              </a:rPr>
+              <a:t>연산자</a:t>
+            </a:r>
+          </a:p>
+          <a:p>
+            <a:pPr marL="0" indent="0">
+              <a:buNone/>
+            </a:pPr>
+            <a:r>
+              <a:rPr lang="en-US" altLang="ko-KR" dirty="0" smtClean="0">
+                <a:latin typeface="굴림" panose="020B0600000101010101" pitchFamily="50" charset="-127"/>
+                <a:ea typeface="굴림" panose="020B0600000101010101" pitchFamily="50" charset="-127"/>
+              </a:rPr>
+              <a:t> ex</a:t>
+            </a:r>
+            <a:r>
+              <a:rPr lang="en-US" altLang="ko-KR" dirty="0">
+                <a:latin typeface="굴림" panose="020B0600000101010101" pitchFamily="50" charset="-127"/>
+                <a:ea typeface="굴림" panose="020B0600000101010101" pitchFamily="50" charset="-127"/>
+              </a:rPr>
+              <a:t>. &gt; </a:t>
+            </a:r>
+            <a:r>
+              <a:rPr lang="en-US" altLang="ko-KR" dirty="0" err="1">
+                <a:latin typeface="굴림" panose="020B0600000101010101" pitchFamily="50" charset="-127"/>
+                <a:ea typeface="굴림" panose="020B0600000101010101" pitchFamily="50" charset="-127"/>
+              </a:rPr>
+              <a:t>db.articles.find</a:t>
+            </a:r>
+            <a:r>
+              <a:rPr lang="en-US" altLang="ko-KR" dirty="0">
+                <a:latin typeface="굴림" panose="020B0600000101010101" pitchFamily="50" charset="-127"/>
+                <a:ea typeface="굴림" panose="020B0600000101010101" pitchFamily="50" charset="-127"/>
+              </a:rPr>
+              <a:t>( { $where: “</a:t>
+            </a:r>
+            <a:r>
+              <a:rPr lang="en-US" altLang="ko-KR" dirty="0" err="1">
+                <a:latin typeface="굴림" panose="020B0600000101010101" pitchFamily="50" charset="-127"/>
+                <a:ea typeface="굴림" panose="020B0600000101010101" pitchFamily="50" charset="-127"/>
+              </a:rPr>
+              <a:t>this.comments.length</a:t>
+            </a:r>
+            <a:r>
+              <a:rPr lang="en-US" altLang="ko-KR" dirty="0">
+                <a:latin typeface="굴림" panose="020B0600000101010101" pitchFamily="50" charset="-127"/>
+                <a:ea typeface="굴림" panose="020B0600000101010101" pitchFamily="50" charset="-127"/>
+              </a:rPr>
+              <a:t> == 0” } )</a:t>
+            </a:r>
+          </a:p>
+          <a:p>
+            <a:endParaRPr lang="en-US" altLang="ko-KR" dirty="0">
+              <a:latin typeface="굴림" panose="020B0600000101010101" pitchFamily="50" charset="-127"/>
+              <a:ea typeface="굴림" panose="020B0600000101010101" pitchFamily="50" charset="-127"/>
+            </a:endParaRPr>
+          </a:p>
+          <a:p>
+            <a:pPr marL="0" indent="0">
+              <a:buNone/>
+            </a:pPr>
+            <a:r>
+              <a:rPr lang="en-US" altLang="ko-KR" dirty="0" smtClean="0">
+                <a:latin typeface="굴림" panose="020B0600000101010101" pitchFamily="50" charset="-127"/>
+                <a:ea typeface="굴림" panose="020B0600000101010101" pitchFamily="50" charset="-127"/>
+              </a:rPr>
+              <a:t># </a:t>
+            </a:r>
+            <a:r>
+              <a:rPr lang="en-US" altLang="ko-KR" dirty="0">
+                <a:latin typeface="굴림" panose="020B0600000101010101" pitchFamily="50" charset="-127"/>
+                <a:ea typeface="굴림" panose="020B0600000101010101" pitchFamily="50" charset="-127"/>
+              </a:rPr>
+              <a:t>$</a:t>
+            </a:r>
+            <a:r>
+              <a:rPr lang="en-US" altLang="ko-KR" dirty="0" err="1">
+                <a:latin typeface="굴림" panose="020B0600000101010101" pitchFamily="50" charset="-127"/>
+                <a:ea typeface="굴림" panose="020B0600000101010101" pitchFamily="50" charset="-127"/>
+              </a:rPr>
+              <a:t>elemMatch</a:t>
+            </a:r>
+            <a:r>
+              <a:rPr lang="en-US" altLang="ko-KR" dirty="0">
+                <a:latin typeface="굴림" panose="020B0600000101010101" pitchFamily="50" charset="-127"/>
+                <a:ea typeface="굴림" panose="020B0600000101010101" pitchFamily="50" charset="-127"/>
+              </a:rPr>
+              <a:t> </a:t>
+            </a:r>
+            <a:r>
+              <a:rPr lang="ko-KR" altLang="en-US" dirty="0">
+                <a:latin typeface="굴림" panose="020B0600000101010101" pitchFamily="50" charset="-127"/>
+                <a:ea typeface="굴림" panose="020B0600000101010101" pitchFamily="50" charset="-127"/>
+              </a:rPr>
+              <a:t>연산자</a:t>
+            </a:r>
+          </a:p>
+          <a:p>
+            <a:r>
+              <a:rPr lang="en-US" altLang="ko-KR" dirty="0">
+                <a:latin typeface="굴림" panose="020B0600000101010101" pitchFamily="50" charset="-127"/>
+                <a:ea typeface="굴림" panose="020B0600000101010101" pitchFamily="50" charset="-127"/>
+              </a:rPr>
+              <a:t>$</a:t>
+            </a:r>
+            <a:r>
+              <a:rPr lang="en-US" altLang="ko-KR" dirty="0" err="1">
+                <a:latin typeface="굴림" panose="020B0600000101010101" pitchFamily="50" charset="-127"/>
+                <a:ea typeface="굴림" panose="020B0600000101010101" pitchFamily="50" charset="-127"/>
+              </a:rPr>
+              <a:t>elemMatch</a:t>
+            </a:r>
+            <a:r>
+              <a:rPr lang="en-US" altLang="ko-KR" dirty="0">
+                <a:latin typeface="굴림" panose="020B0600000101010101" pitchFamily="50" charset="-127"/>
+                <a:ea typeface="굴림" panose="020B0600000101010101" pitchFamily="50" charset="-127"/>
+              </a:rPr>
+              <a:t> </a:t>
+            </a:r>
+            <a:r>
+              <a:rPr lang="ko-KR" altLang="en-US" dirty="0">
+                <a:latin typeface="굴림" panose="020B0600000101010101" pitchFamily="50" charset="-127"/>
+                <a:ea typeface="굴림" panose="020B0600000101010101" pitchFamily="50" charset="-127"/>
+              </a:rPr>
+              <a:t>연산자는 </a:t>
+            </a:r>
+            <a:r>
+              <a:rPr lang="en-US" altLang="ko-KR" dirty="0">
+                <a:latin typeface="굴림" panose="020B0600000101010101" pitchFamily="50" charset="-127"/>
+                <a:ea typeface="굴림" panose="020B0600000101010101" pitchFamily="50" charset="-127"/>
+              </a:rPr>
+              <a:t>Embedded Documents </a:t>
+            </a:r>
+            <a:r>
+              <a:rPr lang="ko-KR" altLang="en-US" dirty="0">
+                <a:latin typeface="굴림" panose="020B0600000101010101" pitchFamily="50" charset="-127"/>
+                <a:ea typeface="굴림" panose="020B0600000101010101" pitchFamily="50" charset="-127"/>
+              </a:rPr>
+              <a:t>배열을 </a:t>
+            </a:r>
+            <a:r>
+              <a:rPr lang="ko-KR" altLang="en-US" dirty="0" err="1">
+                <a:latin typeface="굴림" panose="020B0600000101010101" pitchFamily="50" charset="-127"/>
+                <a:ea typeface="굴림" panose="020B0600000101010101" pitchFamily="50" charset="-127"/>
+              </a:rPr>
+              <a:t>쿼리할때</a:t>
+            </a:r>
+            <a:r>
+              <a:rPr lang="ko-KR" altLang="en-US" dirty="0">
+                <a:latin typeface="굴림" panose="020B0600000101010101" pitchFamily="50" charset="-127"/>
+                <a:ea typeface="굴림" panose="020B0600000101010101" pitchFamily="50" charset="-127"/>
+              </a:rPr>
+              <a:t> 사용된다</a:t>
+            </a:r>
+            <a:r>
+              <a:rPr lang="en-US" altLang="ko-KR" dirty="0">
+                <a:latin typeface="굴림" panose="020B0600000101010101" pitchFamily="50" charset="-127"/>
+                <a:ea typeface="굴림" panose="020B0600000101010101" pitchFamily="50" charset="-127"/>
+              </a:rPr>
+              <a:t>.</a:t>
+            </a:r>
+            <a:endParaRPr lang="ko-KR" altLang="en-US" dirty="0">
+              <a:latin typeface="굴림" panose="020B0600000101010101" pitchFamily="50" charset="-127"/>
+              <a:ea typeface="굴림" panose="020B0600000101010101" pitchFamily="50" charset="-127"/>
+            </a:endParaRPr>
+          </a:p>
+        </p:txBody>
+      </p:sp>
+    </p:spTree>
+    <p:extLst>
+      <p:ext uri="{BB962C8B-B14F-4D97-AF65-F5344CB8AC3E}">
+        <p14:creationId xmlns:p14="http://schemas.microsoft.com/office/powerpoint/2010/main" val="1704395966"/>
+      </p:ext>
+    </p:extLst>
+  </p:cSld>
+  <p:clrMapOvr>
+    <a:masterClrMapping/>
+  </p:clrMapOvr>
+</p:sld>
+</file>
+
+<file path=ppt/slides/slide7.xml><?xml version="1.0" encoding="utf-8"?>
+<p:sld xmlns:a="http://schemas.openxmlformats.org/drawingml/2006/main" xmlns:r="http://schemas.openxmlformats.org/officeDocument/2006/relationships" xmlns:p="http://schemas.openxmlformats.org/presentationml/2006/main">
+  <p:cSld>
+    <p:spTree>
+      <p:nvGrpSpPr>
+        <p:cNvPr id="1" name=""/>
+        <p:cNvGrpSpPr/>
+        <p:nvPr/>
+      </p:nvGrpSpPr>
+      <p:grpSpPr>
+        <a:xfrm>
+          <a:off x="0" y="0"/>
+          <a:ext cx="0" cy="0"/>
+          <a:chOff x="0" y="0"/>
+          <a:chExt cx="0" cy="0"/>
+        </a:xfrm>
+      </p:grpSpPr>
+      <p:sp>
+        <p:nvSpPr>
           <p:cNvPr id="2" name="내용 개체 틀 1"/>
           <p:cNvSpPr>
             <a:spLocks noGrp="1"/>
@@ -4718,7 +6829,7 @@
                 </a:solidFill>
               </a:rPr>
               <a:pPr/>
-              <a:t>4</a:t>
+              <a:t>7</a:t>
             </a:fld>
             <a:endParaRPr lang="ko-KR" altLang="en-US">
               <a:solidFill>
